--- a/Apresentacao_TCC2.pptx
+++ b/Apresentacao_TCC2.pptx
@@ -2634,7 +2634,7 @@
           <a:p>
             <a:fld id="{C3515E96-34F6-4CCC-BABB-7B43210544BB}" type="datetimeFigureOut">
               <a:rPr lang="pt-BR" smtClean="0"/>
-              <a:t>25/11/2019</a:t>
+              <a:t>26/11/2019</a:t>
             </a:fld>
             <a:endParaRPr lang="pt-BR"/>
           </a:p>
@@ -7951,10 +7951,10 @@
       </p:sp>
       <p:pic>
         <p:nvPicPr>
-          <p:cNvPr id="10" name="Imagem 9">
+          <p:cNvPr id="12" name="Imagem 11">
             <a:extLst>
               <a:ext uri="{FF2B5EF4-FFF2-40B4-BE49-F238E27FC236}">
-                <a16:creationId xmlns:a16="http://schemas.microsoft.com/office/drawing/2014/main" id="{9FCFB523-9EF6-4112-B65D-74E3553F773D}"/>
+                <a16:creationId xmlns:a16="http://schemas.microsoft.com/office/drawing/2014/main" id="{D56B10FC-6D7B-4F0C-8FF4-00E2A0C12E75}"/>
               </a:ext>
             </a:extLst>
           </p:cNvPr>
@@ -7971,8 +7971,8 @@
         </p:blipFill>
         <p:spPr>
           <a:xfrm>
-            <a:off x="3141662" y="1420838"/>
-            <a:ext cx="4650000" cy="5400000"/>
+            <a:off x="0" y="2235865"/>
+            <a:ext cx="12188825" cy="4018120"/>
           </a:xfrm>
           <a:prstGeom prst="rect">
             <a:avLst/>
@@ -8376,82 +8376,21 @@
           </a:p>
         </p:txBody>
       </p:sp>
-      <p:sp>
-        <p:nvSpPr>
-          <p:cNvPr id="3" name="Espaço Reservado para Texto 2">
+      <p:pic>
+        <p:nvPicPr>
+          <p:cNvPr id="7" name="Espaço Reservado para Conteúdo 6">
             <a:extLst>
               <a:ext uri="{FF2B5EF4-FFF2-40B4-BE49-F238E27FC236}">
-                <a16:creationId xmlns:a16="http://schemas.microsoft.com/office/drawing/2014/main" id="{2FC2AE0B-2F44-4501-A322-60B5EC79A939}"/>
-              </a:ext>
-            </a:extLst>
-          </p:cNvPr>
-          <p:cNvSpPr>
-            <a:spLocks noGrp="1"/>
-          </p:cNvSpPr>
-          <p:nvPr>
-            <p:ph idx="1"/>
-          </p:nvPr>
-        </p:nvSpPr>
-        <p:spPr/>
-        <p:txBody>
-          <a:bodyPr/>
-          <a:lstStyle/>
-          <a:p>
-            <a:endParaRPr lang="pt-BR" dirty="0"/>
-          </a:p>
-        </p:txBody>
-      </p:sp>
-      <p:sp>
-        <p:nvSpPr>
-          <p:cNvPr id="4" name="Espaço Reservado para Número de Slide 3">
-            <a:extLst>
-              <a:ext uri="{FF2B5EF4-FFF2-40B4-BE49-F238E27FC236}">
-                <a16:creationId xmlns:a16="http://schemas.microsoft.com/office/drawing/2014/main" id="{FD894CC3-503F-47C7-B69B-C2501E83C301}"/>
-              </a:ext>
-            </a:extLst>
-          </p:cNvPr>
-          <p:cNvSpPr>
-            <a:spLocks noGrp="1"/>
-          </p:cNvSpPr>
-          <p:nvPr>
-            <p:ph type="sldNum" sz="quarter" idx="12"/>
-          </p:nvPr>
-        </p:nvSpPr>
-        <p:spPr/>
-        <p:txBody>
-          <a:bodyPr/>
-          <a:lstStyle/>
-          <a:p>
-            <a:pPr marL="0" lvl="0" indent="0" algn="r" rtl="0">
-              <a:spcBef>
-                <a:spcPts val="0"/>
-              </a:spcBef>
-              <a:spcAft>
-                <a:spcPts val="0"/>
-              </a:spcAft>
-              <a:buNone/>
-            </a:pPr>
-            <a:fld id="{00000000-1234-1234-1234-123412341234}" type="slidenum">
-              <a:rPr lang="pt-BR" smtClean="0"/>
-              <a:t>14</a:t>
-            </a:fld>
-            <a:endParaRPr lang="pt-BR"/>
-          </a:p>
-        </p:txBody>
-      </p:sp>
-      <p:pic>
-        <p:nvPicPr>
-          <p:cNvPr id="6" name="Imagem 5">
-            <a:extLst>
-              <a:ext uri="{FF2B5EF4-FFF2-40B4-BE49-F238E27FC236}">
-                <a16:creationId xmlns:a16="http://schemas.microsoft.com/office/drawing/2014/main" id="{BDCCD85C-4A10-4247-9588-6D49EF9940ED}"/>
+                <a16:creationId xmlns:a16="http://schemas.microsoft.com/office/drawing/2014/main" id="{F72A0FCC-BA47-4627-882B-4BE1FD7A54FD}"/>
               </a:ext>
             </a:extLst>
           </p:cNvPr>
           <p:cNvPicPr>
-            <a:picLocks noChangeAspect="1"/>
+            <a:picLocks noGrp="1" noChangeAspect="1"/>
           </p:cNvPicPr>
-          <p:nvPr/>
+          <p:nvPr>
+            <p:ph idx="1"/>
+          </p:nvPr>
         </p:nvPicPr>
         <p:blipFill>
           <a:blip r:embed="rId2"/>
@@ -8461,14 +8400,49 @@
         </p:blipFill>
         <p:spPr>
           <a:xfrm>
-            <a:off x="3097586" y="1603716"/>
-            <a:ext cx="5728156" cy="5040000"/>
+            <a:off x="900332" y="2016124"/>
+            <a:ext cx="10743718" cy="4037355"/>
           </a:xfrm>
-          <a:prstGeom prst="rect">
-            <a:avLst/>
-          </a:prstGeom>
         </p:spPr>
       </p:pic>
+      <p:sp>
+        <p:nvSpPr>
+          <p:cNvPr id="4" name="Espaço Reservado para Número de Slide 3">
+            <a:extLst>
+              <a:ext uri="{FF2B5EF4-FFF2-40B4-BE49-F238E27FC236}">
+                <a16:creationId xmlns:a16="http://schemas.microsoft.com/office/drawing/2014/main" id="{FD894CC3-503F-47C7-B69B-C2501E83C301}"/>
+              </a:ext>
+            </a:extLst>
+          </p:cNvPr>
+          <p:cNvSpPr>
+            <a:spLocks noGrp="1"/>
+          </p:cNvSpPr>
+          <p:nvPr>
+            <p:ph type="sldNum" sz="quarter" idx="12"/>
+          </p:nvPr>
+        </p:nvSpPr>
+        <p:spPr/>
+        <p:txBody>
+          <a:bodyPr/>
+          <a:lstStyle/>
+          <a:p>
+            <a:pPr marL="0" lvl="0" indent="0" algn="r" rtl="0">
+              <a:spcBef>
+                <a:spcPts val="0"/>
+              </a:spcBef>
+              <a:spcAft>
+                <a:spcPts val="0"/>
+              </a:spcAft>
+              <a:buNone/>
+            </a:pPr>
+            <a:fld id="{00000000-1234-1234-1234-123412341234}" type="slidenum">
+              <a:rPr lang="pt-BR" smtClean="0"/>
+              <a:t>14</a:t>
+            </a:fld>
+            <a:endParaRPr lang="pt-BR"/>
+          </a:p>
+        </p:txBody>
+      </p:sp>
     </p:spTree>
     <p:extLst>
       <p:ext uri="{BB962C8B-B14F-4D97-AF65-F5344CB8AC3E}">

--- a/Apresentacao_TCC2.pptx
+++ b/Apresentacao_TCC2.pptx
@@ -5,57 +5,58 @@
     <p:sldMasterId id="2147483692" r:id="rId1"/>
   </p:sldMasterIdLst>
   <p:notesMasterIdLst>
-    <p:notesMasterId r:id="rId19"/>
+    <p:notesMasterId r:id="rId20"/>
   </p:notesMasterIdLst>
   <p:sldIdLst>
     <p:sldId id="256" r:id="rId2"/>
     <p:sldId id="257" r:id="rId3"/>
     <p:sldId id="258" r:id="rId4"/>
-    <p:sldId id="259" r:id="rId5"/>
-    <p:sldId id="260" r:id="rId6"/>
-    <p:sldId id="261" r:id="rId7"/>
-    <p:sldId id="264" r:id="rId8"/>
-    <p:sldId id="265" r:id="rId9"/>
-    <p:sldId id="266" r:id="rId10"/>
-    <p:sldId id="267" r:id="rId11"/>
-    <p:sldId id="268" r:id="rId12"/>
-    <p:sldId id="269" r:id="rId13"/>
-    <p:sldId id="270" r:id="rId14"/>
-    <p:sldId id="271" r:id="rId15"/>
-    <p:sldId id="272" r:id="rId16"/>
-    <p:sldId id="273" r:id="rId17"/>
-    <p:sldId id="274" r:id="rId18"/>
+    <p:sldId id="275" r:id="rId5"/>
+    <p:sldId id="259" r:id="rId6"/>
+    <p:sldId id="260" r:id="rId7"/>
+    <p:sldId id="261" r:id="rId8"/>
+    <p:sldId id="264" r:id="rId9"/>
+    <p:sldId id="265" r:id="rId10"/>
+    <p:sldId id="266" r:id="rId11"/>
+    <p:sldId id="267" r:id="rId12"/>
+    <p:sldId id="268" r:id="rId13"/>
+    <p:sldId id="269" r:id="rId14"/>
+    <p:sldId id="270" r:id="rId15"/>
+    <p:sldId id="271" r:id="rId16"/>
+    <p:sldId id="272" r:id="rId17"/>
+    <p:sldId id="273" r:id="rId18"/>
+    <p:sldId id="274" r:id="rId19"/>
   </p:sldIdLst>
   <p:sldSz cx="12188825" cy="6858000"/>
   <p:notesSz cx="6858000" cy="9144000"/>
   <p:embeddedFontLst>
     <p:embeddedFont>
       <p:font typeface="Consolas" panose="020B0609020204030204" pitchFamily="49" charset="0"/>
-      <p:regular r:id="rId20"/>
-      <p:bold r:id="rId21"/>
-      <p:italic r:id="rId22"/>
-      <p:boldItalic r:id="rId23"/>
+      <p:regular r:id="rId21"/>
+      <p:bold r:id="rId22"/>
+      <p:italic r:id="rId23"/>
+      <p:boldItalic r:id="rId24"/>
     </p:embeddedFont>
     <p:embeddedFont>
       <p:font typeface="Corbel" panose="020B0503020204020204" pitchFamily="34" charset="0"/>
-      <p:regular r:id="rId24"/>
-      <p:bold r:id="rId25"/>
-      <p:italic r:id="rId26"/>
-      <p:boldItalic r:id="rId27"/>
+      <p:regular r:id="rId25"/>
+      <p:bold r:id="rId26"/>
+      <p:italic r:id="rId27"/>
+      <p:boldItalic r:id="rId28"/>
     </p:embeddedFont>
     <p:embeddedFont>
       <p:font typeface="Gill Sans MT" panose="020B0502020104020203" pitchFamily="34" charset="0"/>
-      <p:regular r:id="rId28"/>
-      <p:bold r:id="rId29"/>
-      <p:italic r:id="rId30"/>
-      <p:boldItalic r:id="rId31"/>
+      <p:regular r:id="rId29"/>
+      <p:bold r:id="rId30"/>
+      <p:italic r:id="rId31"/>
+      <p:boldItalic r:id="rId32"/>
     </p:embeddedFont>
     <p:embeddedFont>
       <p:font typeface="Times" panose="02020603050405020304" pitchFamily="18" charset="0"/>
-      <p:regular r:id="rId32"/>
-      <p:bold r:id="rId33"/>
-      <p:italic r:id="rId34"/>
-      <p:boldItalic r:id="rId35"/>
+      <p:regular r:id="rId33"/>
+      <p:bold r:id="rId34"/>
+      <p:italic r:id="rId35"/>
+      <p:boldItalic r:id="rId36"/>
     </p:embeddedFont>
   </p:embeddedFontLst>
   <p:defaultTextStyle>
@@ -1485,7 +1486,7 @@
               </a:spcAft>
               <a:buNone/>
             </a:pPr>
-            <a:endParaRPr/>
+            <a:endParaRPr dirty="0"/>
           </a:p>
         </p:txBody>
       </p:sp>
@@ -1531,9 +1532,113 @@
               <a:rPr lang="pt-BR"/>
               <a:t>1</a:t>
             </a:fld>
+            <a:endParaRPr dirty="0"/>
+          </a:p>
+        </p:txBody>
+      </p:sp>
+    </p:spTree>
+  </p:cSld>
+  <p:clrMapOvr>
+    <a:masterClrMapping/>
+  </p:clrMapOvr>
+</p:notes>
+</file>
+
+<file path=ppt/notesSlides/notesSlide10.xml><?xml version="1.0" encoding="utf-8"?>
+<p:notes xmlns:a="http://schemas.openxmlformats.org/drawingml/2006/main" xmlns:r="http://schemas.openxmlformats.org/officeDocument/2006/relationships" xmlns:p="http://schemas.openxmlformats.org/presentationml/2006/main" showMasterSp="0" showMasterPhAnim="0">
+  <p:cSld>
+    <p:spTree>
+      <p:nvGrpSpPr>
+        <p:cNvPr id="1" name="Shape 1462"/>
+        <p:cNvGrpSpPr/>
+        <p:nvPr/>
+      </p:nvGrpSpPr>
+      <p:grpSpPr>
+        <a:xfrm>
+          <a:off x="0" y="0"/>
+          <a:ext cx="0" cy="0"/>
+          <a:chOff x="0" y="0"/>
+          <a:chExt cx="0" cy="0"/>
+        </a:xfrm>
+      </p:grpSpPr>
+      <p:sp>
+        <p:nvSpPr>
+          <p:cNvPr id="1463" name="Google Shape;1463;p11:notes"/>
+          <p:cNvSpPr txBox="1">
+            <a:spLocks noGrp="1"/>
+          </p:cNvSpPr>
+          <p:nvPr>
+            <p:ph type="body" idx="1"/>
+          </p:nvPr>
+        </p:nvSpPr>
+        <p:spPr>
+          <a:xfrm>
+            <a:off x="685800" y="4343400"/>
+            <a:ext cx="5486400" cy="4114800"/>
+          </a:xfrm>
+          <a:prstGeom prst="rect">
+            <a:avLst/>
+          </a:prstGeom>
+        </p:spPr>
+        <p:txBody>
+          <a:bodyPr spcFirstLastPara="1" wrap="square" lIns="91425" tIns="45700" rIns="91425" bIns="45700" anchor="t" anchorCtr="0">
+            <a:noAutofit/>
+          </a:bodyPr>
+          <a:lstStyle/>
+          <a:p>
+            <a:pPr marL="0" lvl="0" indent="0" algn="l" rtl="0">
+              <a:spcBef>
+                <a:spcPts val="0"/>
+              </a:spcBef>
+              <a:spcAft>
+                <a:spcPts val="0"/>
+              </a:spcAft>
+              <a:buNone/>
+            </a:pPr>
             <a:endParaRPr/>
           </a:p>
         </p:txBody>
+      </p:sp>
+      <p:sp>
+        <p:nvSpPr>
+          <p:cNvPr id="1464" name="Google Shape;1464;p11:notes"/>
+          <p:cNvSpPr>
+            <a:spLocks noGrp="1" noRot="1" noChangeAspect="1"/>
+          </p:cNvSpPr>
+          <p:nvPr>
+            <p:ph type="sldImg" idx="2"/>
+          </p:nvPr>
+        </p:nvSpPr>
+        <p:spPr>
+          <a:xfrm>
+            <a:off x="382588" y="685800"/>
+            <a:ext cx="6092825" cy="3429000"/>
+          </a:xfrm>
+          <a:custGeom>
+            <a:avLst/>
+            <a:gdLst/>
+            <a:ahLst/>
+            <a:cxnLst/>
+            <a:rect l="l" t="t" r="r" b="b"/>
+            <a:pathLst>
+              <a:path w="120000" h="120000" extrusionOk="0">
+                <a:moveTo>
+                  <a:pt x="0" y="0"/>
+                </a:moveTo>
+                <a:lnTo>
+                  <a:pt x="120000" y="0"/>
+                </a:lnTo>
+                <a:lnTo>
+                  <a:pt x="120000" y="120000"/>
+                </a:lnTo>
+                <a:lnTo>
+                  <a:pt x="0" y="120000"/>
+                </a:lnTo>
+                <a:close/>
+              </a:path>
+            </a:pathLst>
+          </a:custGeom>
+        </p:spPr>
       </p:sp>
     </p:spTree>
   </p:cSld>
@@ -1649,7 +1754,7 @@
               </a:spcAft>
               <a:buNone/>
             </a:pPr>
-            <a:endParaRPr/>
+            <a:endParaRPr dirty="0"/>
           </a:p>
         </p:txBody>
       </p:sp>
@@ -1695,7 +1800,7 @@
               <a:rPr lang="pt-BR"/>
               <a:t>2</a:t>
             </a:fld>
-            <a:endParaRPr/>
+            <a:endParaRPr dirty="0"/>
           </a:p>
         </p:txBody>
       </p:sp>
@@ -1758,7 +1863,7 @@
               </a:spcAft>
               <a:buNone/>
             </a:pPr>
-            <a:endParaRPr/>
+            <a:endParaRPr dirty="0"/>
           </a:p>
         </p:txBody>
       </p:sp>
@@ -1812,6 +1917,115 @@
 </file>
 
 <file path=ppt/notesSlides/notesSlide4.xml><?xml version="1.0" encoding="utf-8"?>
+<p:notes xmlns:a="http://schemas.openxmlformats.org/drawingml/2006/main" xmlns:r="http://schemas.openxmlformats.org/officeDocument/2006/relationships" xmlns:p="http://schemas.openxmlformats.org/presentationml/2006/main" showMasterSp="0" showMasterPhAnim="0">
+  <p:cSld>
+    <p:spTree>
+      <p:nvGrpSpPr>
+        <p:cNvPr id="1" name="Shape 1400"/>
+        <p:cNvGrpSpPr/>
+        <p:nvPr/>
+      </p:nvGrpSpPr>
+      <p:grpSpPr>
+        <a:xfrm>
+          <a:off x="0" y="0"/>
+          <a:ext cx="0" cy="0"/>
+          <a:chOff x="0" y="0"/>
+          <a:chExt cx="0" cy="0"/>
+        </a:xfrm>
+      </p:grpSpPr>
+      <p:sp>
+        <p:nvSpPr>
+          <p:cNvPr id="1401" name="Google Shape;1401;p3:notes"/>
+          <p:cNvSpPr txBox="1">
+            <a:spLocks noGrp="1"/>
+          </p:cNvSpPr>
+          <p:nvPr>
+            <p:ph type="body" idx="1"/>
+          </p:nvPr>
+        </p:nvSpPr>
+        <p:spPr>
+          <a:xfrm>
+            <a:off x="685800" y="4343400"/>
+            <a:ext cx="5486400" cy="4114800"/>
+          </a:xfrm>
+          <a:prstGeom prst="rect">
+            <a:avLst/>
+          </a:prstGeom>
+        </p:spPr>
+        <p:txBody>
+          <a:bodyPr spcFirstLastPara="1" wrap="square" lIns="91425" tIns="45700" rIns="91425" bIns="45700" anchor="t" anchorCtr="0">
+            <a:noAutofit/>
+          </a:bodyPr>
+          <a:lstStyle/>
+          <a:p>
+            <a:pPr marL="0" lvl="0" indent="0" algn="l" rtl="0">
+              <a:spcBef>
+                <a:spcPts val="0"/>
+              </a:spcBef>
+              <a:spcAft>
+                <a:spcPts val="0"/>
+              </a:spcAft>
+              <a:buNone/>
+            </a:pPr>
+            <a:endParaRPr dirty="0"/>
+          </a:p>
+        </p:txBody>
+      </p:sp>
+      <p:sp>
+        <p:nvSpPr>
+          <p:cNvPr id="1402" name="Google Shape;1402;p3:notes"/>
+          <p:cNvSpPr>
+            <a:spLocks noGrp="1" noRot="1" noChangeAspect="1"/>
+          </p:cNvSpPr>
+          <p:nvPr>
+            <p:ph type="sldImg" idx="2"/>
+          </p:nvPr>
+        </p:nvSpPr>
+        <p:spPr>
+          <a:xfrm>
+            <a:off x="382588" y="685800"/>
+            <a:ext cx="6092825" cy="3429000"/>
+          </a:xfrm>
+          <a:custGeom>
+            <a:avLst/>
+            <a:gdLst/>
+            <a:ahLst/>
+            <a:cxnLst/>
+            <a:rect l="l" t="t" r="r" b="b"/>
+            <a:pathLst>
+              <a:path w="120000" h="120000" extrusionOk="0">
+                <a:moveTo>
+                  <a:pt x="0" y="0"/>
+                </a:moveTo>
+                <a:lnTo>
+                  <a:pt x="120000" y="0"/>
+                </a:lnTo>
+                <a:lnTo>
+                  <a:pt x="120000" y="120000"/>
+                </a:lnTo>
+                <a:lnTo>
+                  <a:pt x="0" y="120000"/>
+                </a:lnTo>
+                <a:close/>
+              </a:path>
+            </a:pathLst>
+          </a:custGeom>
+        </p:spPr>
+      </p:sp>
+    </p:spTree>
+    <p:extLst>
+      <p:ext uri="{BB962C8B-B14F-4D97-AF65-F5344CB8AC3E}">
+        <p14:creationId xmlns:p14="http://schemas.microsoft.com/office/powerpoint/2010/main" val="624671037"/>
+      </p:ext>
+    </p:extLst>
+  </p:cSld>
+  <p:clrMapOvr>
+    <a:masterClrMapping/>
+  </p:clrMapOvr>
+</p:notes>
+</file>
+
+<file path=ppt/notesSlides/notesSlide5.xml><?xml version="1.0" encoding="utf-8"?>
 <p:notes xmlns:a="http://schemas.openxmlformats.org/drawingml/2006/main" xmlns:r="http://schemas.openxmlformats.org/officeDocument/2006/relationships" xmlns:p="http://schemas.openxmlformats.org/presentationml/2006/main" showMasterSp="0" showMasterPhAnim="0">
   <p:cSld>
     <p:spTree>
@@ -1961,7 +2175,7 @@
             </a:pPr>
             <a:fld id="{00000000-1234-1234-1234-123412341234}" type="slidenum">
               <a:rPr lang="pt-BR"/>
-              <a:t>4</a:t>
+              <a:t>5</a:t>
             </a:fld>
             <a:endParaRPr/>
           </a:p>
@@ -1975,7 +2189,7 @@
 </p:notes>
 </file>
 
-<file path=ppt/notesSlides/notesSlide5.xml><?xml version="1.0" encoding="utf-8"?>
+<file path=ppt/notesSlides/notesSlide6.xml><?xml version="1.0" encoding="utf-8"?>
 <p:notes xmlns:a="http://schemas.openxmlformats.org/drawingml/2006/main" xmlns:r="http://schemas.openxmlformats.org/officeDocument/2006/relationships" xmlns:p="http://schemas.openxmlformats.org/presentationml/2006/main" showMasterSp="0" showMasterPhAnim="0">
   <p:cSld>
     <p:spTree>
@@ -2079,7 +2293,7 @@
 </p:notes>
 </file>
 
-<file path=ppt/notesSlides/notesSlide6.xml><?xml version="1.0" encoding="utf-8"?>
+<file path=ppt/notesSlides/notesSlide7.xml><?xml version="1.0" encoding="utf-8"?>
 <p:notes xmlns:a="http://schemas.openxmlformats.org/drawingml/2006/main" xmlns:r="http://schemas.openxmlformats.org/officeDocument/2006/relationships" xmlns:p="http://schemas.openxmlformats.org/presentationml/2006/main" showMasterSp="0" showMasterPhAnim="0">
   <p:cSld>
     <p:spTree>
@@ -2183,7 +2397,7 @@
 </p:notes>
 </file>
 
-<file path=ppt/notesSlides/notesSlide7.xml><?xml version="1.0" encoding="utf-8"?>
+<file path=ppt/notesSlides/notesSlide8.xml><?xml version="1.0" encoding="utf-8"?>
 <p:notes xmlns:a="http://schemas.openxmlformats.org/drawingml/2006/main" xmlns:r="http://schemas.openxmlformats.org/officeDocument/2006/relationships" xmlns:p="http://schemas.openxmlformats.org/presentationml/2006/main" showMasterSp="0" showMasterPhAnim="0">
   <p:cSld>
     <p:spTree>
@@ -2287,7 +2501,7 @@
 </p:notes>
 </file>
 
-<file path=ppt/notesSlides/notesSlide8.xml><?xml version="1.0" encoding="utf-8"?>
+<file path=ppt/notesSlides/notesSlide9.xml><?xml version="1.0" encoding="utf-8"?>
 <p:notes xmlns:a="http://schemas.openxmlformats.org/drawingml/2006/main" xmlns:r="http://schemas.openxmlformats.org/officeDocument/2006/relationships" xmlns:p="http://schemas.openxmlformats.org/presentationml/2006/main" showMasterSp="0" showMasterPhAnim="0">
   <p:cSld>
     <p:spTree>
@@ -2391,110 +2605,6 @@
 </p:notes>
 </file>
 
-<file path=ppt/notesSlides/notesSlide9.xml><?xml version="1.0" encoding="utf-8"?>
-<p:notes xmlns:a="http://schemas.openxmlformats.org/drawingml/2006/main" xmlns:r="http://schemas.openxmlformats.org/officeDocument/2006/relationships" xmlns:p="http://schemas.openxmlformats.org/presentationml/2006/main" showMasterSp="0" showMasterPhAnim="0">
-  <p:cSld>
-    <p:spTree>
-      <p:nvGrpSpPr>
-        <p:cNvPr id="1" name="Shape 1462"/>
-        <p:cNvGrpSpPr/>
-        <p:nvPr/>
-      </p:nvGrpSpPr>
-      <p:grpSpPr>
-        <a:xfrm>
-          <a:off x="0" y="0"/>
-          <a:ext cx="0" cy="0"/>
-          <a:chOff x="0" y="0"/>
-          <a:chExt cx="0" cy="0"/>
-        </a:xfrm>
-      </p:grpSpPr>
-      <p:sp>
-        <p:nvSpPr>
-          <p:cNvPr id="1463" name="Google Shape;1463;p11:notes"/>
-          <p:cNvSpPr txBox="1">
-            <a:spLocks noGrp="1"/>
-          </p:cNvSpPr>
-          <p:nvPr>
-            <p:ph type="body" idx="1"/>
-          </p:nvPr>
-        </p:nvSpPr>
-        <p:spPr>
-          <a:xfrm>
-            <a:off x="685800" y="4343400"/>
-            <a:ext cx="5486400" cy="4114800"/>
-          </a:xfrm>
-          <a:prstGeom prst="rect">
-            <a:avLst/>
-          </a:prstGeom>
-        </p:spPr>
-        <p:txBody>
-          <a:bodyPr spcFirstLastPara="1" wrap="square" lIns="91425" tIns="45700" rIns="91425" bIns="45700" anchor="t" anchorCtr="0">
-            <a:noAutofit/>
-          </a:bodyPr>
-          <a:lstStyle/>
-          <a:p>
-            <a:pPr marL="0" lvl="0" indent="0" algn="l" rtl="0">
-              <a:spcBef>
-                <a:spcPts val="0"/>
-              </a:spcBef>
-              <a:spcAft>
-                <a:spcPts val="0"/>
-              </a:spcAft>
-              <a:buNone/>
-            </a:pPr>
-            <a:endParaRPr/>
-          </a:p>
-        </p:txBody>
-      </p:sp>
-      <p:sp>
-        <p:nvSpPr>
-          <p:cNvPr id="1464" name="Google Shape;1464;p11:notes"/>
-          <p:cNvSpPr>
-            <a:spLocks noGrp="1" noRot="1" noChangeAspect="1"/>
-          </p:cNvSpPr>
-          <p:nvPr>
-            <p:ph type="sldImg" idx="2"/>
-          </p:nvPr>
-        </p:nvSpPr>
-        <p:spPr>
-          <a:xfrm>
-            <a:off x="382588" y="685800"/>
-            <a:ext cx="6092825" cy="3429000"/>
-          </a:xfrm>
-          <a:custGeom>
-            <a:avLst/>
-            <a:gdLst/>
-            <a:ahLst/>
-            <a:cxnLst/>
-            <a:rect l="l" t="t" r="r" b="b"/>
-            <a:pathLst>
-              <a:path w="120000" h="120000" extrusionOk="0">
-                <a:moveTo>
-                  <a:pt x="0" y="0"/>
-                </a:moveTo>
-                <a:lnTo>
-                  <a:pt x="120000" y="0"/>
-                </a:lnTo>
-                <a:lnTo>
-                  <a:pt x="120000" y="120000"/>
-                </a:lnTo>
-                <a:lnTo>
-                  <a:pt x="0" y="120000"/>
-                </a:lnTo>
-                <a:close/>
-              </a:path>
-            </a:pathLst>
-          </a:custGeom>
-        </p:spPr>
-      </p:sp>
-    </p:spTree>
-  </p:cSld>
-  <p:clrMapOvr>
-    <a:masterClrMapping/>
-  </p:clrMapOvr>
-</p:notes>
-</file>
-
 <file path=ppt/slideLayouts/slideLayout1.xml><?xml version="1.0" encoding="utf-8"?>
 <p:sldLayout xmlns:a="http://schemas.openxmlformats.org/drawingml/2006/main" xmlns:r="http://schemas.openxmlformats.org/officeDocument/2006/relationships" xmlns:p="http://schemas.openxmlformats.org/presentationml/2006/main" showMasterSp="0" type="title" preserve="1">
   <p:cSld name="Slide de Título">
@@ -2634,7 +2744,7 @@
           <a:p>
             <a:fld id="{C3515E96-34F6-4CCC-BABB-7B43210544BB}" type="datetimeFigureOut">
               <a:rPr lang="pt-BR" smtClean="0"/>
-              <a:t>26/11/2019</a:t>
+              <a:t>02/12/2019</a:t>
             </a:fld>
             <a:endParaRPr lang="pt-BR"/>
           </a:p>
@@ -2739,7 +2849,7 @@
         <p:fade/>
       </p:transition>
     </mc:Choice>
-    <mc:Fallback xmlns:p15="http://schemas.microsoft.com/office/powerpoint/2012/main" xmlns:com="http://schemas.openxmlformats.org/drawingml/2006/compatibility" xmlns:pvml="urn:schemas-microsoft-com:office:powerpoint" xmlns:v="urn:schemas-microsoft-com:vml" xmlns:o="urn:schemas-microsoft-com:office:office" xmlns:dgm="http://schemas.openxmlformats.org/drawingml/2006/diagram" xmlns:c="http://schemas.openxmlformats.org/drawingml/2006/chart" xmlns:mv="urn:schemas-microsoft-com:mac:vml" xmlns="">
+    <mc:Fallback xmlns="" xmlns:mv="urn:schemas-microsoft-com:mac:vml" xmlns:c="http://schemas.openxmlformats.org/drawingml/2006/chart" xmlns:dgm="http://schemas.openxmlformats.org/drawingml/2006/diagram" xmlns:o="urn:schemas-microsoft-com:office:office" xmlns:v="urn:schemas-microsoft-com:vml" xmlns:pvml="urn:schemas-microsoft-com:office:powerpoint" xmlns:com="http://schemas.openxmlformats.org/drawingml/2006/compatibility" xmlns:p15="http://schemas.microsoft.com/office/powerpoint/2012/main">
       <p:transition spd="slow">
         <p:fade/>
       </p:transition>
@@ -2957,7 +3067,7 @@
         <p:fade/>
       </p:transition>
     </mc:Choice>
-    <mc:Fallback xmlns:p15="http://schemas.microsoft.com/office/powerpoint/2012/main" xmlns:com="http://schemas.openxmlformats.org/drawingml/2006/compatibility" xmlns:pvml="urn:schemas-microsoft-com:office:powerpoint" xmlns:v="urn:schemas-microsoft-com:vml" xmlns:o="urn:schemas-microsoft-com:office:office" xmlns:dgm="http://schemas.openxmlformats.org/drawingml/2006/diagram" xmlns:c="http://schemas.openxmlformats.org/drawingml/2006/chart" xmlns:mv="urn:schemas-microsoft-com:mac:vml" xmlns="">
+    <mc:Fallback xmlns="" xmlns:mv="urn:schemas-microsoft-com:mac:vml" xmlns:c="http://schemas.openxmlformats.org/drawingml/2006/chart" xmlns:dgm="http://schemas.openxmlformats.org/drawingml/2006/diagram" xmlns:o="urn:schemas-microsoft-com:office:office" xmlns:v="urn:schemas-microsoft-com:vml" xmlns:pvml="urn:schemas-microsoft-com:office:powerpoint" xmlns:com="http://schemas.openxmlformats.org/drawingml/2006/compatibility" xmlns:p15="http://schemas.microsoft.com/office/powerpoint/2012/main">
       <p:transition spd="slow">
         <p:fade/>
       </p:transition>
@@ -3189,7 +3299,7 @@
         <p:fade/>
       </p:transition>
     </mc:Choice>
-    <mc:Fallback xmlns:p15="http://schemas.microsoft.com/office/powerpoint/2012/main" xmlns:com="http://schemas.openxmlformats.org/drawingml/2006/compatibility" xmlns:pvml="urn:schemas-microsoft-com:office:powerpoint" xmlns:v="urn:schemas-microsoft-com:vml" xmlns:o="urn:schemas-microsoft-com:office:office" xmlns:dgm="http://schemas.openxmlformats.org/drawingml/2006/diagram" xmlns:c="http://schemas.openxmlformats.org/drawingml/2006/chart" xmlns:mv="urn:schemas-microsoft-com:mac:vml" xmlns="">
+    <mc:Fallback xmlns="" xmlns:mv="urn:schemas-microsoft-com:mac:vml" xmlns:c="http://schemas.openxmlformats.org/drawingml/2006/chart" xmlns:dgm="http://schemas.openxmlformats.org/drawingml/2006/diagram" xmlns:o="urn:schemas-microsoft-com:office:office" xmlns:v="urn:schemas-microsoft-com:vml" xmlns:pvml="urn:schemas-microsoft-com:office:powerpoint" xmlns:com="http://schemas.openxmlformats.org/drawingml/2006/compatibility" xmlns:p15="http://schemas.microsoft.com/office/powerpoint/2012/main">
       <p:transition spd="slow">
         <p:fade/>
       </p:transition>
@@ -4495,7 +4605,7 @@
         <p:fade/>
       </p:transition>
     </mc:Choice>
-    <mc:Fallback xmlns:p15="http://schemas.microsoft.com/office/powerpoint/2012/main" xmlns:com="http://schemas.openxmlformats.org/drawingml/2006/compatibility" xmlns:pvml="urn:schemas-microsoft-com:office:powerpoint" xmlns:v="urn:schemas-microsoft-com:vml" xmlns:o="urn:schemas-microsoft-com:office:office" xmlns:dgm="http://schemas.openxmlformats.org/drawingml/2006/diagram" xmlns:c="http://schemas.openxmlformats.org/drawingml/2006/chart" xmlns:mv="urn:schemas-microsoft-com:mac:vml" xmlns="">
+    <mc:Fallback xmlns="" xmlns:mv="urn:schemas-microsoft-com:mac:vml" xmlns:c="http://schemas.openxmlformats.org/drawingml/2006/chart" xmlns:dgm="http://schemas.openxmlformats.org/drawingml/2006/diagram" xmlns:o="urn:schemas-microsoft-com:office:office" xmlns:v="urn:schemas-microsoft-com:vml" xmlns:pvml="urn:schemas-microsoft-com:office:powerpoint" xmlns:com="http://schemas.openxmlformats.org/drawingml/2006/compatibility" xmlns:p15="http://schemas.microsoft.com/office/powerpoint/2012/main">
       <p:transition spd="slow">
         <p:fade/>
       </p:transition>
@@ -4713,7 +4823,7 @@
         <p:fade/>
       </p:transition>
     </mc:Choice>
-    <mc:Fallback xmlns:p15="http://schemas.microsoft.com/office/powerpoint/2012/main" xmlns:com="http://schemas.openxmlformats.org/drawingml/2006/compatibility" xmlns:pvml="urn:schemas-microsoft-com:office:powerpoint" xmlns:v="urn:schemas-microsoft-com:vml" xmlns:o="urn:schemas-microsoft-com:office:office" xmlns:dgm="http://schemas.openxmlformats.org/drawingml/2006/diagram" xmlns:c="http://schemas.openxmlformats.org/drawingml/2006/chart" xmlns:mv="urn:schemas-microsoft-com:mac:vml" xmlns="">
+    <mc:Fallback xmlns="" xmlns:mv="urn:schemas-microsoft-com:mac:vml" xmlns:c="http://schemas.openxmlformats.org/drawingml/2006/chart" xmlns:dgm="http://schemas.openxmlformats.org/drawingml/2006/diagram" xmlns:o="urn:schemas-microsoft-com:office:office" xmlns:v="urn:schemas-microsoft-com:vml" xmlns:pvml="urn:schemas-microsoft-com:office:powerpoint" xmlns:com="http://schemas.openxmlformats.org/drawingml/2006/compatibility" xmlns:p15="http://schemas.microsoft.com/office/powerpoint/2012/main">
       <p:transition spd="slow">
         <p:fade/>
       </p:transition>
@@ -5009,7 +5119,7 @@
         <p:fade/>
       </p:transition>
     </mc:Choice>
-    <mc:Fallback xmlns:p15="http://schemas.microsoft.com/office/powerpoint/2012/main" xmlns:com="http://schemas.openxmlformats.org/drawingml/2006/compatibility" xmlns:pvml="urn:schemas-microsoft-com:office:powerpoint" xmlns:v="urn:schemas-microsoft-com:vml" xmlns:o="urn:schemas-microsoft-com:office:office" xmlns:dgm="http://schemas.openxmlformats.org/drawingml/2006/diagram" xmlns:c="http://schemas.openxmlformats.org/drawingml/2006/chart" xmlns:mv="urn:schemas-microsoft-com:mac:vml" xmlns="">
+    <mc:Fallback xmlns="" xmlns:mv="urn:schemas-microsoft-com:mac:vml" xmlns:c="http://schemas.openxmlformats.org/drawingml/2006/chart" xmlns:dgm="http://schemas.openxmlformats.org/drawingml/2006/diagram" xmlns:o="urn:schemas-microsoft-com:office:office" xmlns:v="urn:schemas-microsoft-com:vml" xmlns:pvml="urn:schemas-microsoft-com:office:powerpoint" xmlns:com="http://schemas.openxmlformats.org/drawingml/2006/compatibility" xmlns:p15="http://schemas.microsoft.com/office/powerpoint/2012/main">
       <p:transition spd="slow">
         <p:fade/>
       </p:transition>
@@ -5716,7 +5826,7 @@
         <p:fade/>
       </p:transition>
     </mc:Choice>
-    <mc:Fallback xmlns:p15="http://schemas.microsoft.com/office/powerpoint/2012/main" xmlns:com="http://schemas.openxmlformats.org/drawingml/2006/compatibility" xmlns:pvml="urn:schemas-microsoft-com:office:powerpoint" xmlns:v="urn:schemas-microsoft-com:vml" xmlns:o="urn:schemas-microsoft-com:office:office" xmlns:dgm="http://schemas.openxmlformats.org/drawingml/2006/diagram" xmlns:c="http://schemas.openxmlformats.org/drawingml/2006/chart" xmlns:mv="urn:schemas-microsoft-com:mac:vml" xmlns="">
+    <mc:Fallback xmlns="" xmlns:mv="urn:schemas-microsoft-com:mac:vml" xmlns:c="http://schemas.openxmlformats.org/drawingml/2006/chart" xmlns:dgm="http://schemas.openxmlformats.org/drawingml/2006/diagram" xmlns:o="urn:schemas-microsoft-com:office:office" xmlns:v="urn:schemas-microsoft-com:vml" xmlns:pvml="urn:schemas-microsoft-com:office:powerpoint" xmlns:com="http://schemas.openxmlformats.org/drawingml/2006/compatibility" xmlns:p15="http://schemas.microsoft.com/office/powerpoint/2012/main">
       <p:transition spd="slow">
         <p:fade/>
       </p:transition>
@@ -5882,7 +5992,7 @@
         <p:fade/>
       </p:transition>
     </mc:Choice>
-    <mc:Fallback xmlns:p15="http://schemas.microsoft.com/office/powerpoint/2012/main" xmlns:com="http://schemas.openxmlformats.org/drawingml/2006/compatibility" xmlns:pvml="urn:schemas-microsoft-com:office:powerpoint" xmlns:v="urn:schemas-microsoft-com:vml" xmlns:o="urn:schemas-microsoft-com:office:office" xmlns:dgm="http://schemas.openxmlformats.org/drawingml/2006/diagram" xmlns:c="http://schemas.openxmlformats.org/drawingml/2006/chart" xmlns:mv="urn:schemas-microsoft-com:mac:vml" xmlns="">
+    <mc:Fallback xmlns="" xmlns:mv="urn:schemas-microsoft-com:mac:vml" xmlns:c="http://schemas.openxmlformats.org/drawingml/2006/chart" xmlns:dgm="http://schemas.openxmlformats.org/drawingml/2006/diagram" xmlns:o="urn:schemas-microsoft-com:office:office" xmlns:v="urn:schemas-microsoft-com:vml" xmlns:pvml="urn:schemas-microsoft-com:office:powerpoint" xmlns:com="http://schemas.openxmlformats.org/drawingml/2006/compatibility" xmlns:p15="http://schemas.microsoft.com/office/powerpoint/2012/main">
       <p:transition spd="slow">
         <p:fade/>
       </p:transition>
@@ -6282,7 +6392,7 @@
         <p:fade/>
       </p:transition>
     </mc:Choice>
-    <mc:Fallback xmlns:p15="http://schemas.microsoft.com/office/powerpoint/2012/main" xmlns:com="http://schemas.openxmlformats.org/drawingml/2006/compatibility" xmlns:pvml="urn:schemas-microsoft-com:office:powerpoint" xmlns:v="urn:schemas-microsoft-com:vml" xmlns:o="urn:schemas-microsoft-com:office:office" xmlns:dgm="http://schemas.openxmlformats.org/drawingml/2006/diagram" xmlns:c="http://schemas.openxmlformats.org/drawingml/2006/chart" xmlns:mv="urn:schemas-microsoft-com:mac:vml" xmlns="">
+    <mc:Fallback xmlns="" xmlns:mv="urn:schemas-microsoft-com:mac:vml" xmlns:c="http://schemas.openxmlformats.org/drawingml/2006/chart" xmlns:dgm="http://schemas.openxmlformats.org/drawingml/2006/diagram" xmlns:o="urn:schemas-microsoft-com:office:office" xmlns:v="urn:schemas-microsoft-com:vml" xmlns:pvml="urn:schemas-microsoft-com:office:powerpoint" xmlns:com="http://schemas.openxmlformats.org/drawingml/2006/compatibility" xmlns:p15="http://schemas.microsoft.com/office/powerpoint/2012/main">
       <p:transition spd="slow">
         <p:fade/>
       </p:transition>
@@ -7132,7 +7242,7 @@
         <p:fade/>
       </p:transition>
     </mc:Choice>
-    <mc:Fallback xmlns:p15="http://schemas.microsoft.com/office/powerpoint/2012/main" xmlns:com="http://schemas.openxmlformats.org/drawingml/2006/compatibility" xmlns:pvml="urn:schemas-microsoft-com:office:powerpoint" xmlns:v="urn:schemas-microsoft-com:vml" xmlns:o="urn:schemas-microsoft-com:office:office" xmlns:dgm="http://schemas.openxmlformats.org/drawingml/2006/diagram" xmlns:c="http://schemas.openxmlformats.org/drawingml/2006/chart" xmlns:mv="urn:schemas-microsoft-com:mac:vml" xmlns="">
+    <mc:Fallback xmlns="" xmlns:mv="urn:schemas-microsoft-com:mac:vml" xmlns:c="http://schemas.openxmlformats.org/drawingml/2006/chart" xmlns:dgm="http://schemas.openxmlformats.org/drawingml/2006/diagram" xmlns:o="urn:schemas-microsoft-com:office:office" xmlns:v="urn:schemas-microsoft-com:vml" xmlns:pvml="urn:schemas-microsoft-com:office:powerpoint" xmlns:com="http://schemas.openxmlformats.org/drawingml/2006/compatibility" xmlns:p15="http://schemas.microsoft.com/office/powerpoint/2012/main">
       <p:transition spd="slow">
         <p:fade/>
       </p:transition>
@@ -7674,7 +7784,7 @@
         <p:fade/>
       </p:transition>
     </mc:Choice>
-    <mc:Fallback xmlns:p15="http://schemas.microsoft.com/office/powerpoint/2012/main" xmlns:com="http://schemas.openxmlformats.org/drawingml/2006/compatibility" xmlns:pvml="urn:schemas-microsoft-com:office:powerpoint" xmlns:v="urn:schemas-microsoft-com:vml" xmlns:o="urn:schemas-microsoft-com:office:office" xmlns:dgm="http://schemas.openxmlformats.org/drawingml/2006/diagram" xmlns:c="http://schemas.openxmlformats.org/drawingml/2006/chart" xmlns:mv="urn:schemas-microsoft-com:mac:vml" xmlns="">
+    <mc:Fallback xmlns="" xmlns:mv="urn:schemas-microsoft-com:mac:vml" xmlns:c="http://schemas.openxmlformats.org/drawingml/2006/chart" xmlns:dgm="http://schemas.openxmlformats.org/drawingml/2006/diagram" xmlns:o="urn:schemas-microsoft-com:office:office" xmlns:v="urn:schemas-microsoft-com:vml" xmlns:pvml="urn:schemas-microsoft-com:office:powerpoint" xmlns:com="http://schemas.openxmlformats.org/drawingml/2006/compatibility" xmlns:p15="http://schemas.microsoft.com/office/powerpoint/2012/main">
       <p:transition spd="slow">
         <p:fade/>
       </p:transition>
@@ -7684,6 +7794,502 @@
 </file>
 
 <file path=ppt/slides/slide10.xml><?xml version="1.0" encoding="utf-8"?>
+<p:sld xmlns:a="http://schemas.openxmlformats.org/drawingml/2006/main" xmlns:r="http://schemas.openxmlformats.org/officeDocument/2006/relationships" xmlns:p="http://schemas.openxmlformats.org/presentationml/2006/main" showMasterSp="0">
+  <p:cSld>
+    <p:spTree>
+      <p:nvGrpSpPr>
+        <p:cNvPr id="1" name="Shape 1465"/>
+        <p:cNvGrpSpPr/>
+        <p:nvPr/>
+      </p:nvGrpSpPr>
+      <p:grpSpPr>
+        <a:xfrm>
+          <a:off x="0" y="0"/>
+          <a:ext cx="0" cy="0"/>
+          <a:chOff x="0" y="0"/>
+          <a:chExt cx="0" cy="0"/>
+        </a:xfrm>
+      </p:grpSpPr>
+      <p:sp>
+        <p:nvSpPr>
+          <p:cNvPr id="1466" name="Google Shape;1466;p23"/>
+          <p:cNvSpPr txBox="1">
+            <a:spLocks noGrp="1"/>
+          </p:cNvSpPr>
+          <p:nvPr>
+            <p:ph type="title"/>
+          </p:nvPr>
+        </p:nvSpPr>
+        <p:spPr>
+          <a:prstGeom prst="rect">
+            <a:avLst/>
+          </a:prstGeom>
+          <a:noFill/>
+          <a:ln>
+            <a:noFill/>
+          </a:ln>
+        </p:spPr>
+        <p:txBody>
+          <a:bodyPr spcFirstLastPara="1" wrap="square" lIns="91425" tIns="45700" rIns="91425" bIns="45700" anchor="b" anchorCtr="0">
+            <a:noAutofit/>
+          </a:bodyPr>
+          <a:lstStyle/>
+          <a:p>
+            <a:pPr marL="0" lvl="0" indent="0" algn="l" rtl="0">
+              <a:lnSpc>
+                <a:spcPct val="90000"/>
+              </a:lnSpc>
+              <a:spcBef>
+                <a:spcPts val="0"/>
+              </a:spcBef>
+              <a:spcAft>
+                <a:spcPts val="0"/>
+              </a:spcAft>
+              <a:buClr>
+                <a:schemeClr val="lt1"/>
+              </a:buClr>
+              <a:buSzPts val="3200"/>
+              <a:buFont typeface="Consolas"/>
+              <a:buNone/>
+            </a:pPr>
+            <a:r>
+              <a:rPr lang="pt-BR"/>
+              <a:t>Métricas</a:t>
+            </a:r>
+            <a:endParaRPr/>
+          </a:p>
+        </p:txBody>
+      </p:sp>
+      <p:sp>
+        <p:nvSpPr>
+          <p:cNvPr id="1467" name="Google Shape;1467;p23"/>
+          <p:cNvSpPr txBox="1">
+            <a:spLocks noGrp="1"/>
+          </p:cNvSpPr>
+          <p:nvPr>
+            <p:ph sz="half" idx="1"/>
+          </p:nvPr>
+        </p:nvSpPr>
+        <p:spPr>
+          <a:xfrm>
+            <a:off x="479935" y="2010879"/>
+            <a:ext cx="5610961" cy="3448595"/>
+          </a:xfrm>
+          <a:prstGeom prst="rect">
+            <a:avLst/>
+          </a:prstGeom>
+          <a:noFill/>
+          <a:ln>
+            <a:noFill/>
+          </a:ln>
+        </p:spPr>
+        <p:txBody>
+          <a:bodyPr spcFirstLastPara="1" wrap="square" lIns="91425" tIns="45700" rIns="91425" bIns="45700" anchor="t" anchorCtr="0">
+            <a:noAutofit/>
+          </a:bodyPr>
+          <a:lstStyle/>
+          <a:p>
+            <a:pPr lvl="0" algn="l" rtl="0">
+              <a:lnSpc>
+                <a:spcPct val="70000"/>
+              </a:lnSpc>
+              <a:spcBef>
+                <a:spcPts val="0"/>
+              </a:spcBef>
+              <a:spcAft>
+                <a:spcPts val="0"/>
+              </a:spcAft>
+              <a:buClrTx/>
+              <a:buSzPts val="2040"/>
+            </a:pPr>
+            <a:r>
+              <a:rPr lang="pt-BR" sz="2040" dirty="0"/>
+              <a:t>CBO - Acoplamento entre os objetos da classe.</a:t>
+            </a:r>
+            <a:endParaRPr dirty="0"/>
+          </a:p>
+          <a:p>
+            <a:pPr lvl="0" algn="l" rtl="0">
+              <a:lnSpc>
+                <a:spcPct val="70000"/>
+              </a:lnSpc>
+              <a:spcBef>
+                <a:spcPts val="1800"/>
+              </a:spcBef>
+              <a:spcAft>
+                <a:spcPts val="0"/>
+              </a:spcAft>
+              <a:buClrTx/>
+              <a:buSzPts val="2040"/>
+            </a:pPr>
+            <a:r>
+              <a:rPr lang="pt-BR" sz="2040" dirty="0"/>
+              <a:t>DIT - Extensão da árvore de herança</a:t>
+            </a:r>
+            <a:endParaRPr dirty="0"/>
+          </a:p>
+          <a:p>
+            <a:pPr lvl="0" algn="l" rtl="0">
+              <a:lnSpc>
+                <a:spcPct val="70000"/>
+              </a:lnSpc>
+              <a:spcBef>
+                <a:spcPts val="1800"/>
+              </a:spcBef>
+              <a:spcAft>
+                <a:spcPts val="0"/>
+              </a:spcAft>
+              <a:buClrTx/>
+              <a:buSzPts val="2040"/>
+            </a:pPr>
+            <a:r>
+              <a:rPr lang="pt-BR" sz="2040" dirty="0"/>
+              <a:t>LCOM - Falta de coesão entre os métodos</a:t>
+            </a:r>
+            <a:endParaRPr dirty="0"/>
+          </a:p>
+          <a:p>
+            <a:pPr lvl="0" algn="l" rtl="0">
+              <a:lnSpc>
+                <a:spcPct val="70000"/>
+              </a:lnSpc>
+              <a:spcBef>
+                <a:spcPts val="1800"/>
+              </a:spcBef>
+              <a:spcAft>
+                <a:spcPts val="0"/>
+              </a:spcAft>
+              <a:buClrTx/>
+              <a:buSzPts val="2040"/>
+            </a:pPr>
+            <a:r>
+              <a:rPr lang="pt-BR" sz="2040" dirty="0"/>
+              <a:t>NOC - Número de filhos</a:t>
+            </a:r>
+            <a:endParaRPr dirty="0"/>
+          </a:p>
+          <a:p>
+            <a:pPr lvl="0" algn="l" rtl="0">
+              <a:lnSpc>
+                <a:spcPct val="70000"/>
+              </a:lnSpc>
+              <a:spcBef>
+                <a:spcPts val="1800"/>
+              </a:spcBef>
+              <a:spcAft>
+                <a:spcPts val="0"/>
+              </a:spcAft>
+              <a:buClrTx/>
+              <a:buSzPts val="2040"/>
+            </a:pPr>
+            <a:r>
+              <a:rPr lang="pt-BR" sz="2040" dirty="0"/>
+              <a:t>RFC - Resposta para uma classe</a:t>
+            </a:r>
+            <a:endParaRPr dirty="0"/>
+          </a:p>
+          <a:p>
+            <a:pPr lvl="0" algn="l" rtl="0">
+              <a:lnSpc>
+                <a:spcPct val="70000"/>
+              </a:lnSpc>
+              <a:spcBef>
+                <a:spcPts val="1800"/>
+              </a:spcBef>
+              <a:spcAft>
+                <a:spcPts val="0"/>
+              </a:spcAft>
+              <a:buClrTx/>
+              <a:buSzPts val="2040"/>
+            </a:pPr>
+            <a:r>
+              <a:rPr lang="pt-BR" sz="2040" dirty="0"/>
+              <a:t>WMC - Métodos ponderados por uma classe</a:t>
+            </a:r>
+            <a:endParaRPr dirty="0"/>
+          </a:p>
+          <a:p>
+            <a:pPr lvl="0" algn="l" rtl="0">
+              <a:lnSpc>
+                <a:spcPct val="70000"/>
+              </a:lnSpc>
+              <a:spcBef>
+                <a:spcPts val="1800"/>
+              </a:spcBef>
+              <a:spcAft>
+                <a:spcPts val="0"/>
+              </a:spcAft>
+              <a:buClrTx/>
+              <a:buSzPts val="2040"/>
+            </a:pPr>
+            <a:r>
+              <a:rPr lang="pt-BR" sz="2040" dirty="0"/>
+              <a:t>LOC - Número de linhas por código</a:t>
+            </a:r>
+            <a:endParaRPr dirty="0"/>
+          </a:p>
+          <a:p>
+            <a:pPr lvl="0" algn="l" rtl="0">
+              <a:lnSpc>
+                <a:spcPct val="70000"/>
+              </a:lnSpc>
+              <a:spcBef>
+                <a:spcPts val="1800"/>
+              </a:spcBef>
+              <a:spcAft>
+                <a:spcPts val="0"/>
+              </a:spcAft>
+              <a:buClrTx/>
+              <a:buSzPts val="2040"/>
+            </a:pPr>
+            <a:r>
+              <a:rPr lang="pt-BR" sz="2040" dirty="0"/>
+              <a:t>LOC por pacote - Número de Linha por pacote</a:t>
+            </a:r>
+            <a:endParaRPr dirty="0"/>
+          </a:p>
+        </p:txBody>
+      </p:sp>
+      <p:sp>
+        <p:nvSpPr>
+          <p:cNvPr id="1468" name="Google Shape;1468;p23"/>
+          <p:cNvSpPr txBox="1">
+            <a:spLocks noGrp="1"/>
+          </p:cNvSpPr>
+          <p:nvPr>
+            <p:ph sz="half" idx="2"/>
+          </p:nvPr>
+        </p:nvSpPr>
+        <p:spPr>
+          <a:xfrm>
+            <a:off x="6090896" y="2017343"/>
+            <a:ext cx="6097929" cy="3441520"/>
+          </a:xfrm>
+          <a:prstGeom prst="rect">
+            <a:avLst/>
+          </a:prstGeom>
+          <a:noFill/>
+          <a:ln>
+            <a:noFill/>
+          </a:ln>
+        </p:spPr>
+        <p:txBody>
+          <a:bodyPr spcFirstLastPara="1" wrap="square" lIns="91425" tIns="45700" rIns="91425" bIns="45700" anchor="t" anchorCtr="0">
+            <a:noAutofit/>
+          </a:bodyPr>
+          <a:lstStyle/>
+          <a:p>
+            <a:pPr marL="274320" lvl="0" indent="-274320" algn="l" rtl="0">
+              <a:lnSpc>
+                <a:spcPct val="70000"/>
+              </a:lnSpc>
+              <a:spcBef>
+                <a:spcPts val="0"/>
+              </a:spcBef>
+              <a:spcAft>
+                <a:spcPts val="0"/>
+              </a:spcAft>
+              <a:buClrTx/>
+              <a:buSzPts val="2040"/>
+              <a:buChar char="▪"/>
+            </a:pPr>
+            <a:r>
+              <a:rPr lang="pt-BR" sz="2040" dirty="0"/>
+              <a:t>LOC por linguagem - Número de linhas por linguagem</a:t>
+            </a:r>
+            <a:endParaRPr dirty="0"/>
+          </a:p>
+          <a:p>
+            <a:pPr marL="274320" lvl="0" indent="-274320" algn="l" rtl="0">
+              <a:lnSpc>
+                <a:spcPct val="70000"/>
+              </a:lnSpc>
+              <a:spcBef>
+                <a:spcPts val="1800"/>
+              </a:spcBef>
+              <a:spcAft>
+                <a:spcPts val="0"/>
+              </a:spcAft>
+              <a:buClrTx/>
+              <a:buSzPts val="2040"/>
+              <a:buChar char="▪"/>
+            </a:pPr>
+            <a:r>
+              <a:rPr lang="pt-BR" sz="2040" dirty="0"/>
+              <a:t>AHF - Encapsulamento dos Atributos</a:t>
+            </a:r>
+            <a:endParaRPr dirty="0"/>
+          </a:p>
+          <a:p>
+            <a:pPr marL="274320" lvl="0" indent="-274320" algn="l" rtl="0">
+              <a:lnSpc>
+                <a:spcPct val="70000"/>
+              </a:lnSpc>
+              <a:spcBef>
+                <a:spcPts val="1800"/>
+              </a:spcBef>
+              <a:spcAft>
+                <a:spcPts val="0"/>
+              </a:spcAft>
+              <a:buClrTx/>
+              <a:buSzPts val="2040"/>
+              <a:buChar char="▪"/>
+            </a:pPr>
+            <a:r>
+              <a:rPr lang="pt-BR" sz="2040" dirty="0"/>
+              <a:t>AIF - Medida de herança de atributos</a:t>
+            </a:r>
+            <a:endParaRPr dirty="0"/>
+          </a:p>
+          <a:p>
+            <a:pPr marL="274320" lvl="0" indent="-274320" algn="l" rtl="0">
+              <a:lnSpc>
+                <a:spcPct val="70000"/>
+              </a:lnSpc>
+              <a:spcBef>
+                <a:spcPts val="1800"/>
+              </a:spcBef>
+              <a:spcAft>
+                <a:spcPts val="0"/>
+              </a:spcAft>
+              <a:buClrTx/>
+              <a:buSzPts val="2040"/>
+              <a:buChar char="▪"/>
+            </a:pPr>
+            <a:r>
+              <a:rPr lang="pt-BR" sz="2040" dirty="0"/>
+              <a:t>CF - Fator de Acoplamento</a:t>
+            </a:r>
+            <a:endParaRPr dirty="0"/>
+          </a:p>
+          <a:p>
+            <a:pPr marL="274320" lvl="0" indent="-274320" algn="l" rtl="0">
+              <a:lnSpc>
+                <a:spcPct val="70000"/>
+              </a:lnSpc>
+              <a:spcBef>
+                <a:spcPts val="1800"/>
+              </a:spcBef>
+              <a:spcAft>
+                <a:spcPts val="0"/>
+              </a:spcAft>
+              <a:buClrTx/>
+              <a:buSzPts val="2040"/>
+              <a:buChar char="▪"/>
+            </a:pPr>
+            <a:r>
+              <a:rPr lang="pt-BR" sz="2040" dirty="0"/>
+              <a:t>MHF - Encapsulamento dos Métodos</a:t>
+            </a:r>
+            <a:endParaRPr dirty="0"/>
+          </a:p>
+          <a:p>
+            <a:pPr marL="274320" lvl="0" indent="-274320" algn="l" rtl="0">
+              <a:lnSpc>
+                <a:spcPct val="70000"/>
+              </a:lnSpc>
+              <a:spcBef>
+                <a:spcPts val="1800"/>
+              </a:spcBef>
+              <a:spcAft>
+                <a:spcPts val="0"/>
+              </a:spcAft>
+              <a:buClrTx/>
+              <a:buSzPts val="2040"/>
+              <a:buChar char="▪"/>
+            </a:pPr>
+            <a:r>
+              <a:rPr lang="pt-BR" sz="2040" dirty="0"/>
+              <a:t>MIF - Medida de Herança de Método</a:t>
+            </a:r>
+            <a:endParaRPr dirty="0"/>
+          </a:p>
+          <a:p>
+            <a:pPr marL="274320" lvl="0" indent="-274320" algn="l" rtl="0">
+              <a:lnSpc>
+                <a:spcPct val="70000"/>
+              </a:lnSpc>
+              <a:spcBef>
+                <a:spcPts val="1800"/>
+              </a:spcBef>
+              <a:spcAft>
+                <a:spcPts val="0"/>
+              </a:spcAft>
+              <a:buClrTx/>
+              <a:buSzPts val="2040"/>
+              <a:buChar char="▪"/>
+            </a:pPr>
+            <a:r>
+              <a:rPr lang="pt-BR" sz="2040" dirty="0"/>
+              <a:t>PF - Medida de Polimorfismo</a:t>
+            </a:r>
+            <a:endParaRPr dirty="0"/>
+          </a:p>
+        </p:txBody>
+      </p:sp>
+      <p:sp>
+        <p:nvSpPr>
+          <p:cNvPr id="1469" name="Google Shape;1469;p23"/>
+          <p:cNvSpPr txBox="1">
+            <a:spLocks noGrp="1"/>
+          </p:cNvSpPr>
+          <p:nvPr>
+            <p:ph type="sldNum" sz="quarter" idx="12"/>
+          </p:nvPr>
+        </p:nvSpPr>
+        <p:spPr>
+          <a:prstGeom prst="rect">
+            <a:avLst/>
+          </a:prstGeom>
+          <a:noFill/>
+          <a:ln>
+            <a:noFill/>
+          </a:ln>
+        </p:spPr>
+        <p:txBody>
+          <a:bodyPr spcFirstLastPara="1" wrap="square" lIns="91425" tIns="45700" rIns="91425" bIns="45700" anchor="ctr" anchorCtr="0">
+            <a:noAutofit/>
+          </a:bodyPr>
+          <a:lstStyle/>
+          <a:p>
+            <a:pPr marL="0" lvl="0" indent="0" algn="r" rtl="0">
+              <a:spcBef>
+                <a:spcPts val="0"/>
+              </a:spcBef>
+              <a:spcAft>
+                <a:spcPts val="0"/>
+              </a:spcAft>
+              <a:buNone/>
+            </a:pPr>
+            <a:fld id="{00000000-1234-1234-1234-123412341234}" type="slidenum">
+              <a:rPr lang="pt-BR"/>
+              <a:t>10</a:t>
+            </a:fld>
+            <a:endParaRPr/>
+          </a:p>
+        </p:txBody>
+      </p:sp>
+    </p:spTree>
+  </p:cSld>
+  <p:clrMapOvr>
+    <a:masterClrMapping/>
+  </p:clrMapOvr>
+  <mc:AlternateContent xmlns:mc="http://schemas.openxmlformats.org/markup-compatibility/2006" xmlns:p14="http://schemas.microsoft.com/office/powerpoint/2010/main">
+    <mc:Choice Requires="p14">
+      <p:transition spd="med" p14:dur="700">
+        <p:fade/>
+      </p:transition>
+    </mc:Choice>
+    <mc:Fallback xmlns="" xmlns:mv="urn:schemas-microsoft-com:mac:vml" xmlns:c="http://schemas.openxmlformats.org/drawingml/2006/chart" xmlns:dgm="http://schemas.openxmlformats.org/drawingml/2006/diagram" xmlns:o="urn:schemas-microsoft-com:office:office" xmlns:v="urn:schemas-microsoft-com:vml" xmlns:pvml="urn:schemas-microsoft-com:office:powerpoint" xmlns:com="http://schemas.openxmlformats.org/drawingml/2006/compatibility" xmlns:p15="http://schemas.microsoft.com/office/powerpoint/2012/main">
+      <p:transition spd="slow">
+        <p:fade/>
+      </p:transition>
+    </mc:Fallback>
+  </mc:AlternateContent>
+</p:sld>
+</file>
+
+<file path=ppt/slides/slide11.xml><?xml version="1.0" encoding="utf-8"?>
 <p:sld xmlns:a="http://schemas.openxmlformats.org/drawingml/2006/main" xmlns:r="http://schemas.openxmlformats.org/officeDocument/2006/relationships" xmlns:p="http://schemas.openxmlformats.org/presentationml/2006/main" showMasterSp="0">
   <p:cSld>
     <p:spTree>
@@ -7767,7 +8373,7 @@
             </a:pPr>
             <a:fld id="{00000000-1234-1234-1234-123412341234}" type="slidenum">
               <a:rPr lang="pt-BR" smtClean="0"/>
-              <a:t>10</a:t>
+              <a:t>11</a:t>
             </a:fld>
             <a:endParaRPr lang="pt-BR"/>
           </a:p>
@@ -7819,7 +8425,7 @@
         <p:fade/>
       </p:transition>
     </mc:Choice>
-    <mc:Fallback xmlns:p15="http://schemas.microsoft.com/office/powerpoint/2012/main" xmlns:com="http://schemas.openxmlformats.org/drawingml/2006/compatibility" xmlns:pvml="urn:schemas-microsoft-com:office:powerpoint" xmlns:v="urn:schemas-microsoft-com:vml" xmlns:o="urn:schemas-microsoft-com:office:office" xmlns:dgm="http://schemas.openxmlformats.org/drawingml/2006/diagram" xmlns:c="http://schemas.openxmlformats.org/drawingml/2006/chart" xmlns:mv="urn:schemas-microsoft-com:mac:vml" xmlns="">
+    <mc:Fallback xmlns="" xmlns:mv="urn:schemas-microsoft-com:mac:vml" xmlns:c="http://schemas.openxmlformats.org/drawingml/2006/chart" xmlns:dgm="http://schemas.openxmlformats.org/drawingml/2006/diagram" xmlns:o="urn:schemas-microsoft-com:office:office" xmlns:v="urn:schemas-microsoft-com:vml" xmlns:pvml="urn:schemas-microsoft-com:office:powerpoint" xmlns:com="http://schemas.openxmlformats.org/drawingml/2006/compatibility" xmlns:p15="http://schemas.microsoft.com/office/powerpoint/2012/main">
       <p:transition spd="slow">
         <p:fade/>
       </p:transition>
@@ -7828,7 +8434,7 @@
 </p:sld>
 </file>
 
-<file path=ppt/slides/slide11.xml><?xml version="1.0" encoding="utf-8"?>
+<file path=ppt/slides/slide12.xml><?xml version="1.0" encoding="utf-8"?>
 <p:sld xmlns:a="http://schemas.openxmlformats.org/drawingml/2006/main" xmlns:r="http://schemas.openxmlformats.org/officeDocument/2006/relationships" xmlns:p="http://schemas.openxmlformats.org/presentationml/2006/main" showMasterSp="0">
   <p:cSld>
     <p:spTree>
@@ -7943,7 +8549,7 @@
             </a:pPr>
             <a:fld id="{00000000-1234-1234-1234-123412341234}" type="slidenum">
               <a:rPr lang="pt-BR" smtClean="0"/>
-              <a:t>11</a:t>
+              <a:t>12</a:t>
             </a:fld>
             <a:endParaRPr lang="pt-BR"/>
           </a:p>
@@ -7995,7 +8601,7 @@
         <p:fade/>
       </p:transition>
     </mc:Choice>
-    <mc:Fallback xmlns:p15="http://schemas.microsoft.com/office/powerpoint/2012/main" xmlns:com="http://schemas.openxmlformats.org/drawingml/2006/compatibility" xmlns:pvml="urn:schemas-microsoft-com:office:powerpoint" xmlns:v="urn:schemas-microsoft-com:vml" xmlns:o="urn:schemas-microsoft-com:office:office" xmlns:dgm="http://schemas.openxmlformats.org/drawingml/2006/diagram" xmlns:c="http://schemas.openxmlformats.org/drawingml/2006/chart" xmlns:mv="urn:schemas-microsoft-com:mac:vml" xmlns="">
+    <mc:Fallback xmlns="" xmlns:mv="urn:schemas-microsoft-com:mac:vml" xmlns:c="http://schemas.openxmlformats.org/drawingml/2006/chart" xmlns:dgm="http://schemas.openxmlformats.org/drawingml/2006/diagram" xmlns:o="urn:schemas-microsoft-com:office:office" xmlns:v="urn:schemas-microsoft-com:vml" xmlns:pvml="urn:schemas-microsoft-com:office:powerpoint" xmlns:com="http://schemas.openxmlformats.org/drawingml/2006/compatibility" xmlns:p15="http://schemas.microsoft.com/office/powerpoint/2012/main">
       <p:transition spd="slow">
         <p:fade/>
       </p:transition>
@@ -8004,7 +8610,7 @@
 </p:sld>
 </file>
 
-<file path=ppt/slides/slide12.xml><?xml version="1.0" encoding="utf-8"?>
+<file path=ppt/slides/slide13.xml><?xml version="1.0" encoding="utf-8"?>
 <p:sld xmlns:a="http://schemas.openxmlformats.org/drawingml/2006/main" xmlns:r="http://schemas.openxmlformats.org/officeDocument/2006/relationships" xmlns:p="http://schemas.openxmlformats.org/presentationml/2006/main" showMasterSp="0">
   <p:cSld>
     <p:spTree>
@@ -8106,7 +8712,7 @@
             </a:pPr>
             <a:fld id="{00000000-1234-1234-1234-123412341234}" type="slidenum">
               <a:rPr lang="pt-BR" smtClean="0"/>
-              <a:t>12</a:t>
+              <a:t>13</a:t>
             </a:fld>
             <a:endParaRPr lang="pt-BR"/>
           </a:p>
@@ -8158,7 +8764,7 @@
         <p:fade/>
       </p:transition>
     </mc:Choice>
-    <mc:Fallback xmlns:p15="http://schemas.microsoft.com/office/powerpoint/2012/main" xmlns:com="http://schemas.openxmlformats.org/drawingml/2006/compatibility" xmlns:pvml="urn:schemas-microsoft-com:office:powerpoint" xmlns:v="urn:schemas-microsoft-com:vml" xmlns:o="urn:schemas-microsoft-com:office:office" xmlns:dgm="http://schemas.openxmlformats.org/drawingml/2006/diagram" xmlns:c="http://schemas.openxmlformats.org/drawingml/2006/chart" xmlns:mv="urn:schemas-microsoft-com:mac:vml" xmlns="">
+    <mc:Fallback xmlns="" xmlns:mv="urn:schemas-microsoft-com:mac:vml" xmlns:c="http://schemas.openxmlformats.org/drawingml/2006/chart" xmlns:dgm="http://schemas.openxmlformats.org/drawingml/2006/diagram" xmlns:o="urn:schemas-microsoft-com:office:office" xmlns:v="urn:schemas-microsoft-com:vml" xmlns:pvml="urn:schemas-microsoft-com:office:powerpoint" xmlns:com="http://schemas.openxmlformats.org/drawingml/2006/compatibility" xmlns:p15="http://schemas.microsoft.com/office/powerpoint/2012/main">
       <p:transition spd="slow">
         <p:fade/>
       </p:transition>
@@ -8167,7 +8773,7 @@
 </p:sld>
 </file>
 
-<file path=ppt/slides/slide13.xml><?xml version="1.0" encoding="utf-8"?>
+<file path=ppt/slides/slide14.xml><?xml version="1.0" encoding="utf-8"?>
 <p:sld xmlns:a="http://schemas.openxmlformats.org/drawingml/2006/main" xmlns:r="http://schemas.openxmlformats.org/officeDocument/2006/relationships" xmlns:p="http://schemas.openxmlformats.org/presentationml/2006/main" showMasterSp="0">
   <p:cSld>
     <p:spTree>
@@ -8269,7 +8875,7 @@
             </a:pPr>
             <a:fld id="{00000000-1234-1234-1234-123412341234}" type="slidenum">
               <a:rPr lang="pt-BR" smtClean="0"/>
-              <a:t>13</a:t>
+              <a:t>14</a:t>
             </a:fld>
             <a:endParaRPr lang="pt-BR"/>
           </a:p>
@@ -8321,145 +8927,7 @@
         <p:fade/>
       </p:transition>
     </mc:Choice>
-    <mc:Fallback xmlns:p15="http://schemas.microsoft.com/office/powerpoint/2012/main" xmlns:com="http://schemas.openxmlformats.org/drawingml/2006/compatibility" xmlns:pvml="urn:schemas-microsoft-com:office:powerpoint" xmlns:v="urn:schemas-microsoft-com:vml" xmlns:o="urn:schemas-microsoft-com:office:office" xmlns:dgm="http://schemas.openxmlformats.org/drawingml/2006/diagram" xmlns:c="http://schemas.openxmlformats.org/drawingml/2006/chart" xmlns:mv="urn:schemas-microsoft-com:mac:vml" xmlns="">
-      <p:transition spd="slow">
-        <p:fade/>
-      </p:transition>
-    </mc:Fallback>
-  </mc:AlternateContent>
-</p:sld>
-</file>
-
-<file path=ppt/slides/slide14.xml><?xml version="1.0" encoding="utf-8"?>
-<p:sld xmlns:a="http://schemas.openxmlformats.org/drawingml/2006/main" xmlns:r="http://schemas.openxmlformats.org/officeDocument/2006/relationships" xmlns:p="http://schemas.openxmlformats.org/presentationml/2006/main" showMasterSp="0">
-  <p:cSld>
-    <p:spTree>
-      <p:nvGrpSpPr>
-        <p:cNvPr id="1" name=""/>
-        <p:cNvGrpSpPr/>
-        <p:nvPr/>
-      </p:nvGrpSpPr>
-      <p:grpSpPr>
-        <a:xfrm>
-          <a:off x="0" y="0"/>
-          <a:ext cx="0" cy="0"/>
-          <a:chOff x="0" y="0"/>
-          <a:chExt cx="0" cy="0"/>
-        </a:xfrm>
-      </p:grpSpPr>
-      <p:sp>
-        <p:nvSpPr>
-          <p:cNvPr id="2" name="Título 1">
-            <a:extLst>
-              <a:ext uri="{FF2B5EF4-FFF2-40B4-BE49-F238E27FC236}">
-                <a16:creationId xmlns:a16="http://schemas.microsoft.com/office/drawing/2014/main" id="{F192A0E8-2205-4F16-B822-4BDF09655205}"/>
-              </a:ext>
-            </a:extLst>
-          </p:cNvPr>
-          <p:cNvSpPr>
-            <a:spLocks noGrp="1"/>
-          </p:cNvSpPr>
-          <p:nvPr>
-            <p:ph type="title"/>
-          </p:nvPr>
-        </p:nvSpPr>
-        <p:spPr/>
-        <p:txBody>
-          <a:bodyPr/>
-          <a:lstStyle/>
-          <a:p>
-            <a:r>
-              <a:rPr lang="pt-BR" i="1" dirty="0"/>
-              <a:t>Distribuição Acumulada das Métricas de Tamanho</a:t>
-            </a:r>
-            <a:endParaRPr lang="pt-BR" dirty="0"/>
-          </a:p>
-        </p:txBody>
-      </p:sp>
-      <p:pic>
-        <p:nvPicPr>
-          <p:cNvPr id="7" name="Espaço Reservado para Conteúdo 6">
-            <a:extLst>
-              <a:ext uri="{FF2B5EF4-FFF2-40B4-BE49-F238E27FC236}">
-                <a16:creationId xmlns:a16="http://schemas.microsoft.com/office/drawing/2014/main" id="{F72A0FCC-BA47-4627-882B-4BE1FD7A54FD}"/>
-              </a:ext>
-            </a:extLst>
-          </p:cNvPr>
-          <p:cNvPicPr>
-            <a:picLocks noGrp="1" noChangeAspect="1"/>
-          </p:cNvPicPr>
-          <p:nvPr>
-            <p:ph idx="1"/>
-          </p:nvPr>
-        </p:nvPicPr>
-        <p:blipFill>
-          <a:blip r:embed="rId2"/>
-          <a:stretch>
-            <a:fillRect/>
-          </a:stretch>
-        </p:blipFill>
-        <p:spPr>
-          <a:xfrm>
-            <a:off x="900332" y="2016124"/>
-            <a:ext cx="10743718" cy="4037355"/>
-          </a:xfrm>
-        </p:spPr>
-      </p:pic>
-      <p:sp>
-        <p:nvSpPr>
-          <p:cNvPr id="4" name="Espaço Reservado para Número de Slide 3">
-            <a:extLst>
-              <a:ext uri="{FF2B5EF4-FFF2-40B4-BE49-F238E27FC236}">
-                <a16:creationId xmlns:a16="http://schemas.microsoft.com/office/drawing/2014/main" id="{FD894CC3-503F-47C7-B69B-C2501E83C301}"/>
-              </a:ext>
-            </a:extLst>
-          </p:cNvPr>
-          <p:cNvSpPr>
-            <a:spLocks noGrp="1"/>
-          </p:cNvSpPr>
-          <p:nvPr>
-            <p:ph type="sldNum" sz="quarter" idx="12"/>
-          </p:nvPr>
-        </p:nvSpPr>
-        <p:spPr/>
-        <p:txBody>
-          <a:bodyPr/>
-          <a:lstStyle/>
-          <a:p>
-            <a:pPr marL="0" lvl="0" indent="0" algn="r" rtl="0">
-              <a:spcBef>
-                <a:spcPts val="0"/>
-              </a:spcBef>
-              <a:spcAft>
-                <a:spcPts val="0"/>
-              </a:spcAft>
-              <a:buNone/>
-            </a:pPr>
-            <a:fld id="{00000000-1234-1234-1234-123412341234}" type="slidenum">
-              <a:rPr lang="pt-BR" smtClean="0"/>
-              <a:t>14</a:t>
-            </a:fld>
-            <a:endParaRPr lang="pt-BR"/>
-          </a:p>
-        </p:txBody>
-      </p:sp>
-    </p:spTree>
-    <p:extLst>
-      <p:ext uri="{BB962C8B-B14F-4D97-AF65-F5344CB8AC3E}">
-        <p14:creationId xmlns:p14="http://schemas.microsoft.com/office/powerpoint/2010/main" val="3937082784"/>
-      </p:ext>
-    </p:extLst>
-  </p:cSld>
-  <p:clrMapOvr>
-    <a:masterClrMapping/>
-  </p:clrMapOvr>
-  <mc:AlternateContent xmlns:mc="http://schemas.openxmlformats.org/markup-compatibility/2006" xmlns:p14="http://schemas.microsoft.com/office/powerpoint/2010/main">
-    <mc:Choice Requires="p14">
-      <p:transition spd="med" p14:dur="700">
-        <p:fade/>
-      </p:transition>
-    </mc:Choice>
-    <mc:Fallback xmlns:p15="http://schemas.microsoft.com/office/powerpoint/2012/main" xmlns:com="http://schemas.openxmlformats.org/drawingml/2006/compatibility" xmlns:pvml="urn:schemas-microsoft-com:office:powerpoint" xmlns:v="urn:schemas-microsoft-com:vml" xmlns:o="urn:schemas-microsoft-com:office:office" xmlns:dgm="http://schemas.openxmlformats.org/drawingml/2006/diagram" xmlns:c="http://schemas.openxmlformats.org/drawingml/2006/chart" xmlns:mv="urn:schemas-microsoft-com:mac:vml" xmlns="">
+    <mc:Fallback xmlns="" xmlns:mv="urn:schemas-microsoft-com:mac:vml" xmlns:c="http://schemas.openxmlformats.org/drawingml/2006/chart" xmlns:dgm="http://schemas.openxmlformats.org/drawingml/2006/diagram" xmlns:o="urn:schemas-microsoft-com:office:office" xmlns:v="urn:schemas-microsoft-com:vml" xmlns:pvml="urn:schemas-microsoft-com:office:powerpoint" xmlns:com="http://schemas.openxmlformats.org/drawingml/2006/compatibility" xmlns:p15="http://schemas.microsoft.com/office/powerpoint/2012/main">
       <p:transition spd="slow">
         <p:fade/>
       </p:transition>
@@ -8490,7 +8958,7 @@
           <p:cNvPr id="2" name="Título 1">
             <a:extLst>
               <a:ext uri="{FF2B5EF4-FFF2-40B4-BE49-F238E27FC236}">
-                <a16:creationId xmlns:a16="http://schemas.microsoft.com/office/drawing/2014/main" id="{73DAFEAA-57CA-44AE-86D9-AED1CDB795FA}"/>
+                <a16:creationId xmlns:a16="http://schemas.microsoft.com/office/drawing/2014/main" id="{F192A0E8-2205-4F16-B822-4BDF09655205}"/>
               </a:ext>
             </a:extLst>
           </p:cNvPr>
@@ -8507,64 +8975,48 @@
           <a:lstStyle/>
           <a:p>
             <a:r>
-              <a:rPr lang="pt-BR" dirty="0"/>
-              <a:t>Discussão</a:t>
-            </a:r>
-          </a:p>
-        </p:txBody>
-      </p:sp>
-      <p:sp>
-        <p:nvSpPr>
-          <p:cNvPr id="3" name="Espaço Reservado para Texto 2">
+              <a:rPr lang="pt-BR" i="1" dirty="0"/>
+              <a:t>Distribuição Acumulada das Métricas de Tamanho</a:t>
+            </a:r>
+            <a:endParaRPr lang="pt-BR" dirty="0"/>
+          </a:p>
+        </p:txBody>
+      </p:sp>
+      <p:pic>
+        <p:nvPicPr>
+          <p:cNvPr id="7" name="Espaço Reservado para Conteúdo 6">
             <a:extLst>
               <a:ext uri="{FF2B5EF4-FFF2-40B4-BE49-F238E27FC236}">
-                <a16:creationId xmlns:a16="http://schemas.microsoft.com/office/drawing/2014/main" id="{6159FBD6-33A4-451E-972F-4DA3375A6CCA}"/>
+                <a16:creationId xmlns:a16="http://schemas.microsoft.com/office/drawing/2014/main" id="{F72A0FCC-BA47-4627-882B-4BE1FD7A54FD}"/>
               </a:ext>
             </a:extLst>
           </p:cNvPr>
-          <p:cNvSpPr>
-            <a:spLocks noGrp="1"/>
-          </p:cNvSpPr>
+          <p:cNvPicPr>
+            <a:picLocks noGrp="1" noChangeAspect="1"/>
+          </p:cNvPicPr>
           <p:nvPr>
             <p:ph idx="1"/>
           </p:nvPr>
-        </p:nvSpPr>
-        <p:spPr/>
-        <p:txBody>
-          <a:bodyPr/>
-          <a:lstStyle/>
-          <a:p>
-            <a:r>
-              <a:rPr lang="pt-BR" dirty="0"/>
-              <a:t>Foram apresentadas 15 métricas, onde em 60% dos resultados das classes foram semelhantes</a:t>
-            </a:r>
-          </a:p>
-          <a:p>
-            <a:r>
-              <a:rPr lang="pt-BR" dirty="0"/>
-              <a:t>Classe de navegadores focados em privacidade apresentou os melhores resultados em 5 das 6 métricas analisadas</a:t>
-            </a:r>
-          </a:p>
-          <a:p>
-            <a:r>
-              <a:rPr lang="pt-BR" dirty="0"/>
-              <a:t>Destas 6 métricas a classe de navegadores tradicionais apresentou os piores resultados em todas</a:t>
-            </a:r>
-          </a:p>
-          <a:p>
-            <a:r>
-              <a:rPr lang="pt-BR" dirty="0"/>
-              <a:t>Navegadores focados em segurança apresentaram resultados regulares</a:t>
-            </a:r>
-          </a:p>
-        </p:txBody>
-      </p:sp>
+        </p:nvPicPr>
+        <p:blipFill>
+          <a:blip r:embed="rId2"/>
+          <a:stretch>
+            <a:fillRect/>
+          </a:stretch>
+        </p:blipFill>
+        <p:spPr>
+          <a:xfrm>
+            <a:off x="900332" y="2016124"/>
+            <a:ext cx="10743718" cy="4037355"/>
+          </a:xfrm>
+        </p:spPr>
+      </p:pic>
       <p:sp>
         <p:nvSpPr>
           <p:cNvPr id="4" name="Espaço Reservado para Número de Slide 3">
             <a:extLst>
               <a:ext uri="{FF2B5EF4-FFF2-40B4-BE49-F238E27FC236}">
-                <a16:creationId xmlns:a16="http://schemas.microsoft.com/office/drawing/2014/main" id="{882F6E3B-F812-4FB9-A933-A5AD0F402443}"/>
+                <a16:creationId xmlns:a16="http://schemas.microsoft.com/office/drawing/2014/main" id="{FD894CC3-503F-47C7-B69B-C2501E83C301}"/>
               </a:ext>
             </a:extLst>
           </p:cNvPr>
@@ -8600,7 +9052,7 @@
     </p:spTree>
     <p:extLst>
       <p:ext uri="{BB962C8B-B14F-4D97-AF65-F5344CB8AC3E}">
-        <p14:creationId xmlns:p14="http://schemas.microsoft.com/office/powerpoint/2010/main" val="1006036556"/>
+        <p14:creationId xmlns:p14="http://schemas.microsoft.com/office/powerpoint/2010/main" val="3937082784"/>
       </p:ext>
     </p:extLst>
   </p:cSld>
@@ -8613,7 +9065,7 @@
         <p:fade/>
       </p:transition>
     </mc:Choice>
-    <mc:Fallback xmlns:p15="http://schemas.microsoft.com/office/powerpoint/2012/main" xmlns:com="http://schemas.openxmlformats.org/drawingml/2006/compatibility" xmlns:pvml="urn:schemas-microsoft-com:office:powerpoint" xmlns:v="urn:schemas-microsoft-com:vml" xmlns:o="urn:schemas-microsoft-com:office:office" xmlns:dgm="http://schemas.openxmlformats.org/drawingml/2006/diagram" xmlns:c="http://schemas.openxmlformats.org/drawingml/2006/chart" xmlns:mv="urn:schemas-microsoft-com:mac:vml" xmlns="">
+    <mc:Fallback xmlns="" xmlns:mv="urn:schemas-microsoft-com:mac:vml" xmlns:c="http://schemas.openxmlformats.org/drawingml/2006/chart" xmlns:dgm="http://schemas.openxmlformats.org/drawingml/2006/diagram" xmlns:o="urn:schemas-microsoft-com:office:office" xmlns:v="urn:schemas-microsoft-com:vml" xmlns:pvml="urn:schemas-microsoft-com:office:powerpoint" xmlns:com="http://schemas.openxmlformats.org/drawingml/2006/compatibility" xmlns:p15="http://schemas.microsoft.com/office/powerpoint/2012/main">
       <p:transition spd="slow">
         <p:fade/>
       </p:transition>
@@ -8644,6 +9096,160 @@
           <p:cNvPr id="2" name="Título 1">
             <a:extLst>
               <a:ext uri="{FF2B5EF4-FFF2-40B4-BE49-F238E27FC236}">
+                <a16:creationId xmlns:a16="http://schemas.microsoft.com/office/drawing/2014/main" id="{73DAFEAA-57CA-44AE-86D9-AED1CDB795FA}"/>
+              </a:ext>
+            </a:extLst>
+          </p:cNvPr>
+          <p:cNvSpPr>
+            <a:spLocks noGrp="1"/>
+          </p:cNvSpPr>
+          <p:nvPr>
+            <p:ph type="title"/>
+          </p:nvPr>
+        </p:nvSpPr>
+        <p:spPr/>
+        <p:txBody>
+          <a:bodyPr/>
+          <a:lstStyle/>
+          <a:p>
+            <a:r>
+              <a:rPr lang="pt-BR" dirty="0"/>
+              <a:t>Discussão</a:t>
+            </a:r>
+          </a:p>
+        </p:txBody>
+      </p:sp>
+      <p:sp>
+        <p:nvSpPr>
+          <p:cNvPr id="3" name="Espaço Reservado para Texto 2">
+            <a:extLst>
+              <a:ext uri="{FF2B5EF4-FFF2-40B4-BE49-F238E27FC236}">
+                <a16:creationId xmlns:a16="http://schemas.microsoft.com/office/drawing/2014/main" id="{6159FBD6-33A4-451E-972F-4DA3375A6CCA}"/>
+              </a:ext>
+            </a:extLst>
+          </p:cNvPr>
+          <p:cNvSpPr>
+            <a:spLocks noGrp="1"/>
+          </p:cNvSpPr>
+          <p:nvPr>
+            <p:ph idx="1"/>
+          </p:nvPr>
+        </p:nvSpPr>
+        <p:spPr/>
+        <p:txBody>
+          <a:bodyPr/>
+          <a:lstStyle/>
+          <a:p>
+            <a:r>
+              <a:rPr lang="pt-BR" dirty="0"/>
+              <a:t>Foram apresentadas 15 métricas, onde em 60% dos resultados das classes foram semelhantes</a:t>
+            </a:r>
+          </a:p>
+          <a:p>
+            <a:r>
+              <a:rPr lang="pt-BR" dirty="0"/>
+              <a:t>Classe de navegadores focados em privacidade apresentou os melhores resultados em 5 das 6 métricas analisadas</a:t>
+            </a:r>
+          </a:p>
+          <a:p>
+            <a:r>
+              <a:rPr lang="pt-BR" dirty="0"/>
+              <a:t>Destas 6 métricas a classe de navegadores tradicionais apresentou os piores resultados em todas</a:t>
+            </a:r>
+          </a:p>
+          <a:p>
+            <a:r>
+              <a:rPr lang="pt-BR" dirty="0"/>
+              <a:t>Navegadores focados em segurança apresentaram resultados regulares</a:t>
+            </a:r>
+          </a:p>
+        </p:txBody>
+      </p:sp>
+      <p:sp>
+        <p:nvSpPr>
+          <p:cNvPr id="4" name="Espaço Reservado para Número de Slide 3">
+            <a:extLst>
+              <a:ext uri="{FF2B5EF4-FFF2-40B4-BE49-F238E27FC236}">
+                <a16:creationId xmlns:a16="http://schemas.microsoft.com/office/drawing/2014/main" id="{882F6E3B-F812-4FB9-A933-A5AD0F402443}"/>
+              </a:ext>
+            </a:extLst>
+          </p:cNvPr>
+          <p:cNvSpPr>
+            <a:spLocks noGrp="1"/>
+          </p:cNvSpPr>
+          <p:nvPr>
+            <p:ph type="sldNum" sz="quarter" idx="12"/>
+          </p:nvPr>
+        </p:nvSpPr>
+        <p:spPr/>
+        <p:txBody>
+          <a:bodyPr/>
+          <a:lstStyle/>
+          <a:p>
+            <a:pPr marL="0" lvl="0" indent="0" algn="r" rtl="0">
+              <a:spcBef>
+                <a:spcPts val="0"/>
+              </a:spcBef>
+              <a:spcAft>
+                <a:spcPts val="0"/>
+              </a:spcAft>
+              <a:buNone/>
+            </a:pPr>
+            <a:fld id="{00000000-1234-1234-1234-123412341234}" type="slidenum">
+              <a:rPr lang="pt-BR" smtClean="0"/>
+              <a:t>16</a:t>
+            </a:fld>
+            <a:endParaRPr lang="pt-BR"/>
+          </a:p>
+        </p:txBody>
+      </p:sp>
+    </p:spTree>
+    <p:extLst>
+      <p:ext uri="{BB962C8B-B14F-4D97-AF65-F5344CB8AC3E}">
+        <p14:creationId xmlns:p14="http://schemas.microsoft.com/office/powerpoint/2010/main" val="1006036556"/>
+      </p:ext>
+    </p:extLst>
+  </p:cSld>
+  <p:clrMapOvr>
+    <a:masterClrMapping/>
+  </p:clrMapOvr>
+  <mc:AlternateContent xmlns:mc="http://schemas.openxmlformats.org/markup-compatibility/2006" xmlns:p14="http://schemas.microsoft.com/office/powerpoint/2010/main">
+    <mc:Choice Requires="p14">
+      <p:transition spd="med" p14:dur="700">
+        <p:fade/>
+      </p:transition>
+    </mc:Choice>
+    <mc:Fallback xmlns="" xmlns:mv="urn:schemas-microsoft-com:mac:vml" xmlns:c="http://schemas.openxmlformats.org/drawingml/2006/chart" xmlns:dgm="http://schemas.openxmlformats.org/drawingml/2006/diagram" xmlns:o="urn:schemas-microsoft-com:office:office" xmlns:v="urn:schemas-microsoft-com:vml" xmlns:pvml="urn:schemas-microsoft-com:office:powerpoint" xmlns:com="http://schemas.openxmlformats.org/drawingml/2006/compatibility" xmlns:p15="http://schemas.microsoft.com/office/powerpoint/2012/main">
+      <p:transition spd="slow">
+        <p:fade/>
+      </p:transition>
+    </mc:Fallback>
+  </mc:AlternateContent>
+</p:sld>
+</file>
+
+<file path=ppt/slides/slide17.xml><?xml version="1.0" encoding="utf-8"?>
+<p:sld xmlns:a="http://schemas.openxmlformats.org/drawingml/2006/main" xmlns:r="http://schemas.openxmlformats.org/officeDocument/2006/relationships" xmlns:p="http://schemas.openxmlformats.org/presentationml/2006/main" showMasterSp="0">
+  <p:cSld>
+    <p:spTree>
+      <p:nvGrpSpPr>
+        <p:cNvPr id="1" name=""/>
+        <p:cNvGrpSpPr/>
+        <p:nvPr/>
+      </p:nvGrpSpPr>
+      <p:grpSpPr>
+        <a:xfrm>
+          <a:off x="0" y="0"/>
+          <a:ext cx="0" cy="0"/>
+          <a:chOff x="0" y="0"/>
+          <a:chExt cx="0" cy="0"/>
+        </a:xfrm>
+      </p:grpSpPr>
+      <p:sp>
+        <p:nvSpPr>
+          <p:cNvPr id="2" name="Título 1">
+            <a:extLst>
+              <a:ext uri="{FF2B5EF4-FFF2-40B4-BE49-F238E27FC236}">
                 <a16:creationId xmlns:a16="http://schemas.microsoft.com/office/drawing/2014/main" id="{34FD5BF4-011F-4F2E-8977-6334D08B2D42}"/>
               </a:ext>
             </a:extLst>
@@ -8724,7 +9330,7 @@
             </a:pPr>
             <a:fld id="{00000000-1234-1234-1234-123412341234}" type="slidenum">
               <a:rPr lang="pt-BR" smtClean="0"/>
-              <a:t>16</a:t>
+              <a:t>17</a:t>
             </a:fld>
             <a:endParaRPr lang="pt-BR"/>
           </a:p>
@@ -9403,7 +10009,7 @@
         <p:fade/>
       </p:transition>
     </mc:Choice>
-    <mc:Fallback xmlns:p15="http://schemas.microsoft.com/office/powerpoint/2012/main" xmlns:com="http://schemas.openxmlformats.org/drawingml/2006/compatibility" xmlns:pvml="urn:schemas-microsoft-com:office:powerpoint" xmlns:v="urn:schemas-microsoft-com:vml" xmlns:o="urn:schemas-microsoft-com:office:office" xmlns:dgm="http://schemas.openxmlformats.org/drawingml/2006/diagram" xmlns:c="http://schemas.openxmlformats.org/drawingml/2006/chart" xmlns:mv="urn:schemas-microsoft-com:mac:vml" xmlns="">
+    <mc:Fallback xmlns="" xmlns:mv="urn:schemas-microsoft-com:mac:vml" xmlns:c="http://schemas.openxmlformats.org/drawingml/2006/chart" xmlns:dgm="http://schemas.openxmlformats.org/drawingml/2006/diagram" xmlns:o="urn:schemas-microsoft-com:office:office" xmlns:v="urn:schemas-microsoft-com:vml" xmlns:pvml="urn:schemas-microsoft-com:office:powerpoint" xmlns:com="http://schemas.openxmlformats.org/drawingml/2006/compatibility" xmlns:p15="http://schemas.microsoft.com/office/powerpoint/2012/main">
       <p:transition spd="slow">
         <p:fade/>
       </p:transition>
@@ -9412,7 +10018,7 @@
 </p:sld>
 </file>
 
-<file path=ppt/slides/slide17.xml><?xml version="1.0" encoding="utf-8"?>
+<file path=ppt/slides/slide18.xml><?xml version="1.0" encoding="utf-8"?>
 <p:sld xmlns:a="http://schemas.openxmlformats.org/drawingml/2006/main" xmlns:r="http://schemas.openxmlformats.org/officeDocument/2006/relationships" xmlns:p="http://schemas.openxmlformats.org/presentationml/2006/main" showMasterSp="0">
   <p:cSld>
     <p:spTree>
@@ -9540,7 +10146,7 @@
             </a:pPr>
             <a:fld id="{00000000-1234-1234-1234-123412341234}" type="slidenum">
               <a:rPr lang="pt-BR" smtClean="0"/>
-              <a:t>17</a:t>
+              <a:t>18</a:t>
             </a:fld>
             <a:endParaRPr lang="pt-BR"/>
           </a:p>
@@ -9562,7 +10168,7 @@
         <p:fade/>
       </p:transition>
     </mc:Choice>
-    <mc:Fallback xmlns:p15="http://schemas.microsoft.com/office/powerpoint/2012/main" xmlns:com="http://schemas.openxmlformats.org/drawingml/2006/compatibility" xmlns:pvml="urn:schemas-microsoft-com:office:powerpoint" xmlns:v="urn:schemas-microsoft-com:vml" xmlns:o="urn:schemas-microsoft-com:office:office" xmlns:dgm="http://schemas.openxmlformats.org/drawingml/2006/diagram" xmlns:c="http://schemas.openxmlformats.org/drawingml/2006/chart" xmlns:mv="urn:schemas-microsoft-com:mac:vml" xmlns="">
+    <mc:Fallback xmlns="" xmlns:mv="urn:schemas-microsoft-com:mac:vml" xmlns:c="http://schemas.openxmlformats.org/drawingml/2006/chart" xmlns:dgm="http://schemas.openxmlformats.org/drawingml/2006/diagram" xmlns:o="urn:schemas-microsoft-com:office:office" xmlns:v="urn:schemas-microsoft-com:vml" xmlns:pvml="urn:schemas-microsoft-com:office:powerpoint" xmlns:com="http://schemas.openxmlformats.org/drawingml/2006/compatibility" xmlns:p15="http://schemas.microsoft.com/office/powerpoint/2012/main">
       <p:transition spd="slow">
         <p:fade/>
       </p:transition>
@@ -9631,10 +10237,10 @@
               <a:buNone/>
             </a:pPr>
             <a:r>
-              <a:rPr lang="pt-BR"/>
+              <a:rPr lang="pt-BR" dirty="0"/>
               <a:t>Contexto</a:t>
             </a:r>
-            <a:endParaRPr/>
+            <a:endParaRPr dirty="0"/>
           </a:p>
         </p:txBody>
       </p:sp>
@@ -9786,7 +10392,7 @@
               <a:rPr lang="pt-BR"/>
               <a:t>2</a:t>
             </a:fld>
-            <a:endParaRPr/>
+            <a:endParaRPr dirty="0"/>
           </a:p>
         </p:txBody>
       </p:sp>
@@ -9801,7 +10407,7 @@
         <p:fade/>
       </p:transition>
     </mc:Choice>
-    <mc:Fallback xmlns:p15="http://schemas.microsoft.com/office/powerpoint/2012/main" xmlns:com="http://schemas.openxmlformats.org/drawingml/2006/compatibility" xmlns:pvml="urn:schemas-microsoft-com:office:powerpoint" xmlns:v="urn:schemas-microsoft-com:vml" xmlns:o="urn:schemas-microsoft-com:office:office" xmlns:dgm="http://schemas.openxmlformats.org/drawingml/2006/diagram" xmlns:c="http://schemas.openxmlformats.org/drawingml/2006/chart" xmlns:mv="urn:schemas-microsoft-com:mac:vml" xmlns="">
+    <mc:Fallback xmlns="" xmlns:mv="urn:schemas-microsoft-com:mac:vml" xmlns:c="http://schemas.openxmlformats.org/drawingml/2006/chart" xmlns:dgm="http://schemas.openxmlformats.org/drawingml/2006/diagram" xmlns:o="urn:schemas-microsoft-com:office:office" xmlns:v="urn:schemas-microsoft-com:vml" xmlns:pvml="urn:schemas-microsoft-com:office:powerpoint" xmlns:com="http://schemas.openxmlformats.org/drawingml/2006/compatibility" xmlns:p15="http://schemas.microsoft.com/office/powerpoint/2012/main">
       <p:transition spd="slow">
         <p:fade/>
       </p:transition>
@@ -9870,10 +10476,10 @@
               <a:buNone/>
             </a:pPr>
             <a:r>
-              <a:rPr lang="pt-BR"/>
+              <a:rPr lang="pt-BR" dirty="0"/>
               <a:t>Problema e Tipo de Pesquisa</a:t>
             </a:r>
-            <a:endParaRPr/>
+            <a:endParaRPr dirty="0"/>
           </a:p>
         </p:txBody>
       </p:sp>
@@ -9989,7 +10595,7 @@
               <a:rPr lang="pt-BR"/>
               <a:t>3</a:t>
             </a:fld>
-            <a:endParaRPr/>
+            <a:endParaRPr dirty="0"/>
           </a:p>
         </p:txBody>
       </p:sp>
@@ -10004,7 +10610,7 @@
         <p:fade/>
       </p:transition>
     </mc:Choice>
-    <mc:Fallback xmlns:p15="http://schemas.microsoft.com/office/powerpoint/2012/main" xmlns:com="http://schemas.openxmlformats.org/drawingml/2006/compatibility" xmlns:pvml="urn:schemas-microsoft-com:office:powerpoint" xmlns:v="urn:schemas-microsoft-com:vml" xmlns:o="urn:schemas-microsoft-com:office:office" xmlns:dgm="http://schemas.openxmlformats.org/drawingml/2006/diagram" xmlns:c="http://schemas.openxmlformats.org/drawingml/2006/chart" xmlns:mv="urn:schemas-microsoft-com:mac:vml" xmlns="">
+    <mc:Fallback xmlns="" xmlns:mv="urn:schemas-microsoft-com:mac:vml" xmlns:c="http://schemas.openxmlformats.org/drawingml/2006/chart" xmlns:dgm="http://schemas.openxmlformats.org/drawingml/2006/diagram" xmlns:o="urn:schemas-microsoft-com:office:office" xmlns:v="urn:schemas-microsoft-com:vml" xmlns:pvml="urn:schemas-microsoft-com:office:powerpoint" xmlns:com="http://schemas.openxmlformats.org/drawingml/2006/compatibility" xmlns:p15="http://schemas.microsoft.com/office/powerpoint/2012/main">
       <p:transition spd="slow">
         <p:fade/>
       </p:transition>
@@ -10014,6 +10620,180 @@
 </file>
 
 <file path=ppt/slides/slide4.xml><?xml version="1.0" encoding="utf-8"?>
+<p:sld xmlns:a="http://schemas.openxmlformats.org/drawingml/2006/main" xmlns:r="http://schemas.openxmlformats.org/officeDocument/2006/relationships" xmlns:p="http://schemas.openxmlformats.org/presentationml/2006/main" showMasterSp="0">
+  <p:cSld>
+    <p:spTree>
+      <p:nvGrpSpPr>
+        <p:cNvPr id="1" name="Shape 1403"/>
+        <p:cNvGrpSpPr/>
+        <p:nvPr/>
+      </p:nvGrpSpPr>
+      <p:grpSpPr>
+        <a:xfrm>
+          <a:off x="0" y="0"/>
+          <a:ext cx="0" cy="0"/>
+          <a:chOff x="0" y="0"/>
+          <a:chExt cx="0" cy="0"/>
+        </a:xfrm>
+      </p:grpSpPr>
+      <p:sp>
+        <p:nvSpPr>
+          <p:cNvPr id="1404" name="Google Shape;1404;p15"/>
+          <p:cNvSpPr txBox="1">
+            <a:spLocks noGrp="1"/>
+          </p:cNvSpPr>
+          <p:nvPr>
+            <p:ph type="title"/>
+          </p:nvPr>
+        </p:nvSpPr>
+        <p:spPr>
+          <a:prstGeom prst="rect">
+            <a:avLst/>
+          </a:prstGeom>
+          <a:noFill/>
+          <a:ln>
+            <a:noFill/>
+          </a:ln>
+        </p:spPr>
+        <p:txBody>
+          <a:bodyPr spcFirstLastPara="1" wrap="square" lIns="91425" tIns="45700" rIns="91425" bIns="45700" anchor="b" anchorCtr="0">
+            <a:noAutofit/>
+          </a:bodyPr>
+          <a:lstStyle/>
+          <a:p>
+            <a:pPr marL="0" lvl="0" indent="0" algn="l" rtl="0">
+              <a:lnSpc>
+                <a:spcPct val="90000"/>
+              </a:lnSpc>
+              <a:spcBef>
+                <a:spcPts val="0"/>
+              </a:spcBef>
+              <a:spcAft>
+                <a:spcPts val="0"/>
+              </a:spcAft>
+              <a:buClr>
+                <a:schemeClr val="lt1"/>
+              </a:buClr>
+              <a:buSzPts val="3200"/>
+              <a:buFont typeface="Consolas"/>
+              <a:buNone/>
+            </a:pPr>
+            <a:r>
+              <a:rPr lang="pt-BR" dirty="0"/>
+              <a:t>Relevância e justificativa</a:t>
+            </a:r>
+            <a:endParaRPr dirty="0"/>
+          </a:p>
+        </p:txBody>
+      </p:sp>
+      <p:sp>
+        <p:nvSpPr>
+          <p:cNvPr id="1405" name="Google Shape;1405;p15"/>
+          <p:cNvSpPr txBox="1">
+            <a:spLocks noGrp="1"/>
+          </p:cNvSpPr>
+          <p:nvPr>
+            <p:ph idx="1"/>
+          </p:nvPr>
+        </p:nvSpPr>
+        <p:spPr>
+          <a:prstGeom prst="rect">
+            <a:avLst/>
+          </a:prstGeom>
+          <a:noFill/>
+          <a:ln>
+            <a:noFill/>
+          </a:ln>
+        </p:spPr>
+        <p:txBody>
+          <a:bodyPr spcFirstLastPara="1" wrap="square" lIns="91425" tIns="45700" rIns="91425" bIns="45700" anchor="t" anchorCtr="0">
+            <a:noAutofit/>
+          </a:bodyPr>
+          <a:lstStyle/>
+          <a:p>
+            <a:pPr algn="just"/>
+            <a:r>
+              <a:rPr lang="pt-BR" dirty="0"/>
+              <a:t>Sua relevância deve-se ao fato do código-fonte do software estar diretamente ligada à qualidade de uso, além do seu custo de desenvolvimento e manutenção. </a:t>
+            </a:r>
+          </a:p>
+          <a:p>
+            <a:r>
+              <a:rPr lang="pt-BR" dirty="0"/>
+              <a:t>A qualidade do código afeta diretamente a confiabilidade a que o usuário está exposto.</a:t>
+            </a:r>
+            <a:endParaRPr dirty="0"/>
+          </a:p>
+        </p:txBody>
+      </p:sp>
+      <p:sp>
+        <p:nvSpPr>
+          <p:cNvPr id="1406" name="Google Shape;1406;p15"/>
+          <p:cNvSpPr txBox="1">
+            <a:spLocks noGrp="1"/>
+          </p:cNvSpPr>
+          <p:nvPr>
+            <p:ph type="sldNum" sz="quarter" idx="12"/>
+          </p:nvPr>
+        </p:nvSpPr>
+        <p:spPr>
+          <a:prstGeom prst="rect">
+            <a:avLst/>
+          </a:prstGeom>
+          <a:noFill/>
+          <a:ln>
+            <a:noFill/>
+          </a:ln>
+        </p:spPr>
+        <p:txBody>
+          <a:bodyPr spcFirstLastPara="1" wrap="square" lIns="91425" tIns="45700" rIns="91425" bIns="45700" anchor="ctr" anchorCtr="0">
+            <a:noAutofit/>
+          </a:bodyPr>
+          <a:lstStyle/>
+          <a:p>
+            <a:pPr marL="0" lvl="0" indent="0" algn="r" rtl="0">
+              <a:spcBef>
+                <a:spcPts val="0"/>
+              </a:spcBef>
+              <a:spcAft>
+                <a:spcPts val="0"/>
+              </a:spcAft>
+              <a:buNone/>
+            </a:pPr>
+            <a:fld id="{00000000-1234-1234-1234-123412341234}" type="slidenum">
+              <a:rPr lang="pt-BR"/>
+              <a:t>4</a:t>
+            </a:fld>
+            <a:endParaRPr dirty="0"/>
+          </a:p>
+        </p:txBody>
+      </p:sp>
+    </p:spTree>
+    <p:extLst>
+      <p:ext uri="{BB962C8B-B14F-4D97-AF65-F5344CB8AC3E}">
+        <p14:creationId xmlns:p14="http://schemas.microsoft.com/office/powerpoint/2010/main" val="3155953522"/>
+      </p:ext>
+    </p:extLst>
+  </p:cSld>
+  <p:clrMapOvr>
+    <a:masterClrMapping/>
+  </p:clrMapOvr>
+  <mc:AlternateContent xmlns:mc="http://schemas.openxmlformats.org/markup-compatibility/2006" xmlns:p14="http://schemas.microsoft.com/office/powerpoint/2010/main">
+    <mc:Choice Requires="p14">
+      <p:transition spd="med" p14:dur="700">
+        <p:fade/>
+      </p:transition>
+    </mc:Choice>
+    <mc:Fallback xmlns="" xmlns:mv="urn:schemas-microsoft-com:mac:vml" xmlns:c="http://schemas.openxmlformats.org/drawingml/2006/chart" xmlns:dgm="http://schemas.openxmlformats.org/drawingml/2006/diagram" xmlns:o="urn:schemas-microsoft-com:office:office" xmlns:v="urn:schemas-microsoft-com:vml" xmlns:pvml="urn:schemas-microsoft-com:office:powerpoint" xmlns:com="http://schemas.openxmlformats.org/drawingml/2006/compatibility" xmlns:p15="http://schemas.microsoft.com/office/powerpoint/2012/main">
+      <p:transition spd="slow">
+        <p:fade/>
+      </p:transition>
+    </mc:Fallback>
+  </mc:AlternateContent>
+</p:sld>
+</file>
+
+<file path=ppt/slides/slide5.xml><?xml version="1.0" encoding="utf-8"?>
 <p:sld xmlns:a="http://schemas.openxmlformats.org/drawingml/2006/main" xmlns:r="http://schemas.openxmlformats.org/officeDocument/2006/relationships" xmlns:p="http://schemas.openxmlformats.org/presentationml/2006/main" showMasterSp="0">
   <p:cSld>
     <p:spTree>
@@ -10073,10 +10853,10 @@
               <a:buNone/>
             </a:pPr>
             <a:r>
-              <a:rPr lang="pt-BR"/>
+              <a:rPr lang="pt-BR" dirty="0"/>
               <a:t>Objetivos</a:t>
             </a:r>
-            <a:endParaRPr/>
+            <a:endParaRPr dirty="0"/>
           </a:p>
         </p:txBody>
       </p:sp>
@@ -10286,7 +11066,7 @@
             </a:pPr>
             <a:fld id="{00000000-1234-1234-1234-123412341234}" type="slidenum">
               <a:rPr lang="pt-BR"/>
-              <a:t>4</a:t>
+              <a:t>5</a:t>
             </a:fld>
             <a:endParaRPr/>
           </a:p>
@@ -10303,7 +11083,7 @@
         <p:fade/>
       </p:transition>
     </mc:Choice>
-    <mc:Fallback xmlns:p15="http://schemas.microsoft.com/office/powerpoint/2012/main" xmlns:com="http://schemas.openxmlformats.org/drawingml/2006/compatibility" xmlns:pvml="urn:schemas-microsoft-com:office:powerpoint" xmlns:v="urn:schemas-microsoft-com:vml" xmlns:o="urn:schemas-microsoft-com:office:office" xmlns:dgm="http://schemas.openxmlformats.org/drawingml/2006/diagram" xmlns:c="http://schemas.openxmlformats.org/drawingml/2006/chart" xmlns:mv="urn:schemas-microsoft-com:mac:vml" xmlns="">
+    <mc:Fallback xmlns="" xmlns:mv="urn:schemas-microsoft-com:mac:vml" xmlns:c="http://schemas.openxmlformats.org/drawingml/2006/chart" xmlns:dgm="http://schemas.openxmlformats.org/drawingml/2006/diagram" xmlns:o="urn:schemas-microsoft-com:office:office" xmlns:v="urn:schemas-microsoft-com:vml" xmlns:pvml="urn:schemas-microsoft-com:office:powerpoint" xmlns:com="http://schemas.openxmlformats.org/drawingml/2006/compatibility" xmlns:p15="http://schemas.microsoft.com/office/powerpoint/2012/main">
       <p:transition spd="slow">
         <p:fade/>
       </p:transition>
@@ -10312,7 +11092,7 @@
 </p:sld>
 </file>
 
-<file path=ppt/slides/slide5.xml><?xml version="1.0" encoding="utf-8"?>
+<file path=ppt/slides/slide6.xml><?xml version="1.0" encoding="utf-8"?>
 <p:sld xmlns:a="http://schemas.openxmlformats.org/drawingml/2006/main" xmlns:r="http://schemas.openxmlformats.org/officeDocument/2006/relationships" xmlns:p="http://schemas.openxmlformats.org/presentationml/2006/main" showMasterSp="0">
   <p:cSld>
     <p:spTree>
@@ -10697,7 +11477,7 @@
             </a:pPr>
             <a:fld id="{00000000-1234-1234-1234-123412341234}" type="slidenum">
               <a:rPr lang="pt-BR"/>
-              <a:t>5</a:t>
+              <a:t>6</a:t>
             </a:fld>
             <a:endParaRPr/>
           </a:p>
@@ -10714,7 +11494,7 @@
         <p:fade/>
       </p:transition>
     </mc:Choice>
-    <mc:Fallback xmlns:p15="http://schemas.microsoft.com/office/powerpoint/2012/main" xmlns:com="http://schemas.openxmlformats.org/drawingml/2006/compatibility" xmlns:pvml="urn:schemas-microsoft-com:office:powerpoint" xmlns:v="urn:schemas-microsoft-com:vml" xmlns:o="urn:schemas-microsoft-com:office:office" xmlns:dgm="http://schemas.openxmlformats.org/drawingml/2006/diagram" xmlns:c="http://schemas.openxmlformats.org/drawingml/2006/chart" xmlns:mv="urn:schemas-microsoft-com:mac:vml" xmlns="">
+    <mc:Fallback xmlns="" xmlns:mv="urn:schemas-microsoft-com:mac:vml" xmlns:c="http://schemas.openxmlformats.org/drawingml/2006/chart" xmlns:dgm="http://schemas.openxmlformats.org/drawingml/2006/diagram" xmlns:o="urn:schemas-microsoft-com:office:office" xmlns:v="urn:schemas-microsoft-com:vml" xmlns:pvml="urn:schemas-microsoft-com:office:powerpoint" xmlns:com="http://schemas.openxmlformats.org/drawingml/2006/compatibility" xmlns:p15="http://schemas.microsoft.com/office/powerpoint/2012/main">
       <p:transition spd="slow">
         <p:fade/>
       </p:transition>
@@ -10723,7 +11503,7 @@
 </p:sld>
 </file>
 
-<file path=ppt/slides/slide6.xml><?xml version="1.0" encoding="utf-8"?>
+<file path=ppt/slides/slide7.xml><?xml version="1.0" encoding="utf-8"?>
 <p:sld xmlns:a="http://schemas.openxmlformats.org/drawingml/2006/main" xmlns:r="http://schemas.openxmlformats.org/officeDocument/2006/relationships" xmlns:p="http://schemas.openxmlformats.org/presentationml/2006/main" showMasterSp="0">
   <p:cSld>
     <p:spTree>
@@ -10935,7 +11715,7 @@
             </a:pPr>
             <a:fld id="{00000000-1234-1234-1234-123412341234}" type="slidenum">
               <a:rPr lang="pt-BR"/>
-              <a:t>6</a:t>
+              <a:t>7</a:t>
             </a:fld>
             <a:endParaRPr/>
           </a:p>
@@ -10952,7 +11732,7 @@
         <p:fade/>
       </p:transition>
     </mc:Choice>
-    <mc:Fallback xmlns:p15="http://schemas.microsoft.com/office/powerpoint/2012/main" xmlns:com="http://schemas.openxmlformats.org/drawingml/2006/compatibility" xmlns:pvml="urn:schemas-microsoft-com:office:powerpoint" xmlns:v="urn:schemas-microsoft-com:vml" xmlns:o="urn:schemas-microsoft-com:office:office" xmlns:dgm="http://schemas.openxmlformats.org/drawingml/2006/diagram" xmlns:c="http://schemas.openxmlformats.org/drawingml/2006/chart" xmlns:mv="urn:schemas-microsoft-com:mac:vml" xmlns="">
+    <mc:Fallback xmlns="" xmlns:mv="urn:schemas-microsoft-com:mac:vml" xmlns:c="http://schemas.openxmlformats.org/drawingml/2006/chart" xmlns:dgm="http://schemas.openxmlformats.org/drawingml/2006/diagram" xmlns:o="urn:schemas-microsoft-com:office:office" xmlns:v="urn:schemas-microsoft-com:vml" xmlns:pvml="urn:schemas-microsoft-com:office:powerpoint" xmlns:com="http://schemas.openxmlformats.org/drawingml/2006/compatibility" xmlns:p15="http://schemas.microsoft.com/office/powerpoint/2012/main">
       <p:transition spd="slow">
         <p:fade/>
       </p:transition>
@@ -10961,7 +11741,7 @@
 </p:sld>
 </file>
 
-<file path=ppt/slides/slide7.xml><?xml version="1.0" encoding="utf-8"?>
+<file path=ppt/slides/slide8.xml><?xml version="1.0" encoding="utf-8"?>
 <p:sld xmlns:a="http://schemas.openxmlformats.org/drawingml/2006/main" xmlns:r="http://schemas.openxmlformats.org/officeDocument/2006/relationships" xmlns:p="http://schemas.openxmlformats.org/presentationml/2006/main" showMasterSp="0">
   <p:cSld>
     <p:spTree>
@@ -11454,7 +12234,7 @@
             </a:pPr>
             <a:fld id="{00000000-1234-1234-1234-123412341234}" type="slidenum">
               <a:rPr lang="pt-BR"/>
-              <a:t>7</a:t>
+              <a:t>8</a:t>
             </a:fld>
             <a:endParaRPr/>
           </a:p>
@@ -12237,7 +13017,7 @@
         <p:fade/>
       </p:transition>
     </mc:Choice>
-    <mc:Fallback xmlns:p15="http://schemas.microsoft.com/office/powerpoint/2012/main" xmlns:com="http://schemas.openxmlformats.org/drawingml/2006/compatibility" xmlns:pvml="urn:schemas-microsoft-com:office:powerpoint" xmlns:v="urn:schemas-microsoft-com:vml" xmlns:o="urn:schemas-microsoft-com:office:office" xmlns:dgm="http://schemas.openxmlformats.org/drawingml/2006/diagram" xmlns:c="http://schemas.openxmlformats.org/drawingml/2006/chart" xmlns:mv="urn:schemas-microsoft-com:mac:vml" xmlns="">
+    <mc:Fallback xmlns="" xmlns:mv="urn:schemas-microsoft-com:mac:vml" xmlns:c="http://schemas.openxmlformats.org/drawingml/2006/chart" xmlns:dgm="http://schemas.openxmlformats.org/drawingml/2006/diagram" xmlns:o="urn:schemas-microsoft-com:office:office" xmlns:v="urn:schemas-microsoft-com:vml" xmlns:pvml="urn:schemas-microsoft-com:office:powerpoint" xmlns:com="http://schemas.openxmlformats.org/drawingml/2006/compatibility" xmlns:p15="http://schemas.microsoft.com/office/powerpoint/2012/main">
       <p:transition spd="slow">
         <p:fade/>
       </p:transition>
@@ -12246,7 +13026,7 @@
 </p:sld>
 </file>
 
-<file path=ppt/slides/slide8.xml><?xml version="1.0" encoding="utf-8"?>
+<file path=ppt/slides/slide9.xml><?xml version="1.0" encoding="utf-8"?>
 <p:sld xmlns:a="http://schemas.openxmlformats.org/drawingml/2006/main" xmlns:r="http://schemas.openxmlformats.org/officeDocument/2006/relationships" xmlns:p="http://schemas.openxmlformats.org/presentationml/2006/main" showMasterSp="0">
   <p:cSld>
     <p:spTree>
@@ -12452,7 +13232,7 @@
             </a:pPr>
             <a:fld id="{00000000-1234-1234-1234-123412341234}" type="slidenum">
               <a:rPr lang="pt-BR"/>
-              <a:t>8</a:t>
+              <a:t>9</a:t>
             </a:fld>
             <a:endParaRPr/>
           </a:p>
@@ -12469,503 +13249,7 @@
         <p:fade/>
       </p:transition>
     </mc:Choice>
-    <mc:Fallback xmlns:p15="http://schemas.microsoft.com/office/powerpoint/2012/main" xmlns:com="http://schemas.openxmlformats.org/drawingml/2006/compatibility" xmlns:pvml="urn:schemas-microsoft-com:office:powerpoint" xmlns:v="urn:schemas-microsoft-com:vml" xmlns:o="urn:schemas-microsoft-com:office:office" xmlns:dgm="http://schemas.openxmlformats.org/drawingml/2006/diagram" xmlns:c="http://schemas.openxmlformats.org/drawingml/2006/chart" xmlns:mv="urn:schemas-microsoft-com:mac:vml" xmlns="">
-      <p:transition spd="slow">
-        <p:fade/>
-      </p:transition>
-    </mc:Fallback>
-  </mc:AlternateContent>
-</p:sld>
-</file>
-
-<file path=ppt/slides/slide9.xml><?xml version="1.0" encoding="utf-8"?>
-<p:sld xmlns:a="http://schemas.openxmlformats.org/drawingml/2006/main" xmlns:r="http://schemas.openxmlformats.org/officeDocument/2006/relationships" xmlns:p="http://schemas.openxmlformats.org/presentationml/2006/main" showMasterSp="0">
-  <p:cSld>
-    <p:spTree>
-      <p:nvGrpSpPr>
-        <p:cNvPr id="1" name="Shape 1465"/>
-        <p:cNvGrpSpPr/>
-        <p:nvPr/>
-      </p:nvGrpSpPr>
-      <p:grpSpPr>
-        <a:xfrm>
-          <a:off x="0" y="0"/>
-          <a:ext cx="0" cy="0"/>
-          <a:chOff x="0" y="0"/>
-          <a:chExt cx="0" cy="0"/>
-        </a:xfrm>
-      </p:grpSpPr>
-      <p:sp>
-        <p:nvSpPr>
-          <p:cNvPr id="1466" name="Google Shape;1466;p23"/>
-          <p:cNvSpPr txBox="1">
-            <a:spLocks noGrp="1"/>
-          </p:cNvSpPr>
-          <p:nvPr>
-            <p:ph type="title"/>
-          </p:nvPr>
-        </p:nvSpPr>
-        <p:spPr>
-          <a:prstGeom prst="rect">
-            <a:avLst/>
-          </a:prstGeom>
-          <a:noFill/>
-          <a:ln>
-            <a:noFill/>
-          </a:ln>
-        </p:spPr>
-        <p:txBody>
-          <a:bodyPr spcFirstLastPara="1" wrap="square" lIns="91425" tIns="45700" rIns="91425" bIns="45700" anchor="b" anchorCtr="0">
-            <a:noAutofit/>
-          </a:bodyPr>
-          <a:lstStyle/>
-          <a:p>
-            <a:pPr marL="0" lvl="0" indent="0" algn="l" rtl="0">
-              <a:lnSpc>
-                <a:spcPct val="90000"/>
-              </a:lnSpc>
-              <a:spcBef>
-                <a:spcPts val="0"/>
-              </a:spcBef>
-              <a:spcAft>
-                <a:spcPts val="0"/>
-              </a:spcAft>
-              <a:buClr>
-                <a:schemeClr val="lt1"/>
-              </a:buClr>
-              <a:buSzPts val="3200"/>
-              <a:buFont typeface="Consolas"/>
-              <a:buNone/>
-            </a:pPr>
-            <a:r>
-              <a:rPr lang="pt-BR"/>
-              <a:t>Métricas</a:t>
-            </a:r>
-            <a:endParaRPr/>
-          </a:p>
-        </p:txBody>
-      </p:sp>
-      <p:sp>
-        <p:nvSpPr>
-          <p:cNvPr id="1467" name="Google Shape;1467;p23"/>
-          <p:cNvSpPr txBox="1">
-            <a:spLocks noGrp="1"/>
-          </p:cNvSpPr>
-          <p:nvPr>
-            <p:ph sz="half" idx="1"/>
-          </p:nvPr>
-        </p:nvSpPr>
-        <p:spPr>
-          <a:xfrm>
-            <a:off x="479935" y="2010879"/>
-            <a:ext cx="5610961" cy="3448595"/>
-          </a:xfrm>
-          <a:prstGeom prst="rect">
-            <a:avLst/>
-          </a:prstGeom>
-          <a:noFill/>
-          <a:ln>
-            <a:noFill/>
-          </a:ln>
-        </p:spPr>
-        <p:txBody>
-          <a:bodyPr spcFirstLastPara="1" wrap="square" lIns="91425" tIns="45700" rIns="91425" bIns="45700" anchor="t" anchorCtr="0">
-            <a:noAutofit/>
-          </a:bodyPr>
-          <a:lstStyle/>
-          <a:p>
-            <a:pPr lvl="0" algn="l" rtl="0">
-              <a:lnSpc>
-                <a:spcPct val="70000"/>
-              </a:lnSpc>
-              <a:spcBef>
-                <a:spcPts val="0"/>
-              </a:spcBef>
-              <a:spcAft>
-                <a:spcPts val="0"/>
-              </a:spcAft>
-              <a:buClrTx/>
-              <a:buSzPts val="2040"/>
-            </a:pPr>
-            <a:r>
-              <a:rPr lang="pt-BR" sz="2040" dirty="0"/>
-              <a:t>CBO - Acoplamento entre os objetos da classe.</a:t>
-            </a:r>
-            <a:endParaRPr dirty="0"/>
-          </a:p>
-          <a:p>
-            <a:pPr lvl="0" algn="l" rtl="0">
-              <a:lnSpc>
-                <a:spcPct val="70000"/>
-              </a:lnSpc>
-              <a:spcBef>
-                <a:spcPts val="1800"/>
-              </a:spcBef>
-              <a:spcAft>
-                <a:spcPts val="0"/>
-              </a:spcAft>
-              <a:buClrTx/>
-              <a:buSzPts val="2040"/>
-            </a:pPr>
-            <a:r>
-              <a:rPr lang="pt-BR" sz="2040" dirty="0"/>
-              <a:t>DIT - Extensão da árvore de herança</a:t>
-            </a:r>
-            <a:endParaRPr dirty="0"/>
-          </a:p>
-          <a:p>
-            <a:pPr lvl="0" algn="l" rtl="0">
-              <a:lnSpc>
-                <a:spcPct val="70000"/>
-              </a:lnSpc>
-              <a:spcBef>
-                <a:spcPts val="1800"/>
-              </a:spcBef>
-              <a:spcAft>
-                <a:spcPts val="0"/>
-              </a:spcAft>
-              <a:buClrTx/>
-              <a:buSzPts val="2040"/>
-            </a:pPr>
-            <a:r>
-              <a:rPr lang="pt-BR" sz="2040" dirty="0"/>
-              <a:t>LCOM - Falta de coesão entre os métodos</a:t>
-            </a:r>
-            <a:endParaRPr dirty="0"/>
-          </a:p>
-          <a:p>
-            <a:pPr lvl="0" algn="l" rtl="0">
-              <a:lnSpc>
-                <a:spcPct val="70000"/>
-              </a:lnSpc>
-              <a:spcBef>
-                <a:spcPts val="1800"/>
-              </a:spcBef>
-              <a:spcAft>
-                <a:spcPts val="0"/>
-              </a:spcAft>
-              <a:buClrTx/>
-              <a:buSzPts val="2040"/>
-            </a:pPr>
-            <a:r>
-              <a:rPr lang="pt-BR" sz="2040" dirty="0"/>
-              <a:t>NOC - Número de filhos</a:t>
-            </a:r>
-            <a:endParaRPr dirty="0"/>
-          </a:p>
-          <a:p>
-            <a:pPr lvl="0" algn="l" rtl="0">
-              <a:lnSpc>
-                <a:spcPct val="70000"/>
-              </a:lnSpc>
-              <a:spcBef>
-                <a:spcPts val="1800"/>
-              </a:spcBef>
-              <a:spcAft>
-                <a:spcPts val="0"/>
-              </a:spcAft>
-              <a:buClrTx/>
-              <a:buSzPts val="2040"/>
-            </a:pPr>
-            <a:r>
-              <a:rPr lang="pt-BR" sz="2040" dirty="0"/>
-              <a:t>RFC - Resposta para uma classe</a:t>
-            </a:r>
-            <a:endParaRPr dirty="0"/>
-          </a:p>
-          <a:p>
-            <a:pPr lvl="0" algn="l" rtl="0">
-              <a:lnSpc>
-                <a:spcPct val="70000"/>
-              </a:lnSpc>
-              <a:spcBef>
-                <a:spcPts val="1800"/>
-              </a:spcBef>
-              <a:spcAft>
-                <a:spcPts val="0"/>
-              </a:spcAft>
-              <a:buClrTx/>
-              <a:buSzPts val="2040"/>
-            </a:pPr>
-            <a:r>
-              <a:rPr lang="pt-BR" sz="2040" dirty="0"/>
-              <a:t>WMC - Métodos ponderados por uma classe</a:t>
-            </a:r>
-            <a:endParaRPr dirty="0"/>
-          </a:p>
-          <a:p>
-            <a:pPr lvl="0" algn="l" rtl="0">
-              <a:lnSpc>
-                <a:spcPct val="70000"/>
-              </a:lnSpc>
-              <a:spcBef>
-                <a:spcPts val="1800"/>
-              </a:spcBef>
-              <a:spcAft>
-                <a:spcPts val="0"/>
-              </a:spcAft>
-              <a:buClrTx/>
-              <a:buSzPts val="2040"/>
-            </a:pPr>
-            <a:r>
-              <a:rPr lang="pt-BR" sz="2040" dirty="0"/>
-              <a:t>LOC - Número de linhas por código</a:t>
-            </a:r>
-            <a:endParaRPr dirty="0"/>
-          </a:p>
-          <a:p>
-            <a:pPr lvl="0" algn="l" rtl="0">
-              <a:lnSpc>
-                <a:spcPct val="70000"/>
-              </a:lnSpc>
-              <a:spcBef>
-                <a:spcPts val="1800"/>
-              </a:spcBef>
-              <a:spcAft>
-                <a:spcPts val="0"/>
-              </a:spcAft>
-              <a:buClrTx/>
-              <a:buSzPts val="2040"/>
-            </a:pPr>
-            <a:r>
-              <a:rPr lang="pt-BR" sz="2040" dirty="0"/>
-              <a:t>LOC por pacote - Número de Linha por pacote</a:t>
-            </a:r>
-            <a:endParaRPr dirty="0"/>
-          </a:p>
-        </p:txBody>
-      </p:sp>
-      <p:sp>
-        <p:nvSpPr>
-          <p:cNvPr id="1468" name="Google Shape;1468;p23"/>
-          <p:cNvSpPr txBox="1">
-            <a:spLocks noGrp="1"/>
-          </p:cNvSpPr>
-          <p:nvPr>
-            <p:ph sz="half" idx="2"/>
-          </p:nvPr>
-        </p:nvSpPr>
-        <p:spPr>
-          <a:xfrm>
-            <a:off x="6090896" y="2017343"/>
-            <a:ext cx="6097929" cy="3441520"/>
-          </a:xfrm>
-          <a:prstGeom prst="rect">
-            <a:avLst/>
-          </a:prstGeom>
-          <a:noFill/>
-          <a:ln>
-            <a:noFill/>
-          </a:ln>
-        </p:spPr>
-        <p:txBody>
-          <a:bodyPr spcFirstLastPara="1" wrap="square" lIns="91425" tIns="45700" rIns="91425" bIns="45700" anchor="t" anchorCtr="0">
-            <a:noAutofit/>
-          </a:bodyPr>
-          <a:lstStyle/>
-          <a:p>
-            <a:pPr marL="274320" lvl="0" indent="-274320" algn="l" rtl="0">
-              <a:lnSpc>
-                <a:spcPct val="70000"/>
-              </a:lnSpc>
-              <a:spcBef>
-                <a:spcPts val="0"/>
-              </a:spcBef>
-              <a:spcAft>
-                <a:spcPts val="0"/>
-              </a:spcAft>
-              <a:buClrTx/>
-              <a:buSzPts val="2040"/>
-              <a:buChar char="▪"/>
-            </a:pPr>
-            <a:r>
-              <a:rPr lang="pt-BR" sz="2040" dirty="0"/>
-              <a:t>LOC por linguagem - Número de linhas por linguagem</a:t>
-            </a:r>
-            <a:endParaRPr dirty="0"/>
-          </a:p>
-          <a:p>
-            <a:pPr marL="274320" lvl="0" indent="-274320" algn="l" rtl="0">
-              <a:lnSpc>
-                <a:spcPct val="70000"/>
-              </a:lnSpc>
-              <a:spcBef>
-                <a:spcPts val="1800"/>
-              </a:spcBef>
-              <a:spcAft>
-                <a:spcPts val="0"/>
-              </a:spcAft>
-              <a:buClrTx/>
-              <a:buSzPts val="2040"/>
-              <a:buChar char="▪"/>
-            </a:pPr>
-            <a:r>
-              <a:rPr lang="pt-BR" sz="2040" dirty="0"/>
-              <a:t>AHF - Encapsulamento dos Atributos</a:t>
-            </a:r>
-            <a:endParaRPr dirty="0"/>
-          </a:p>
-          <a:p>
-            <a:pPr marL="274320" lvl="0" indent="-274320" algn="l" rtl="0">
-              <a:lnSpc>
-                <a:spcPct val="70000"/>
-              </a:lnSpc>
-              <a:spcBef>
-                <a:spcPts val="1800"/>
-              </a:spcBef>
-              <a:spcAft>
-                <a:spcPts val="0"/>
-              </a:spcAft>
-              <a:buClrTx/>
-              <a:buSzPts val="2040"/>
-              <a:buChar char="▪"/>
-            </a:pPr>
-            <a:r>
-              <a:rPr lang="pt-BR" sz="2040" dirty="0"/>
-              <a:t>AIF - Medida de herança de atributos</a:t>
-            </a:r>
-            <a:endParaRPr dirty="0"/>
-          </a:p>
-          <a:p>
-            <a:pPr marL="274320" lvl="0" indent="-274320" algn="l" rtl="0">
-              <a:lnSpc>
-                <a:spcPct val="70000"/>
-              </a:lnSpc>
-              <a:spcBef>
-                <a:spcPts val="1800"/>
-              </a:spcBef>
-              <a:spcAft>
-                <a:spcPts val="0"/>
-              </a:spcAft>
-              <a:buClrTx/>
-              <a:buSzPts val="2040"/>
-              <a:buChar char="▪"/>
-            </a:pPr>
-            <a:r>
-              <a:rPr lang="pt-BR" sz="2040" dirty="0"/>
-              <a:t>CF - Fator de Acoplamento</a:t>
-            </a:r>
-            <a:endParaRPr dirty="0"/>
-          </a:p>
-          <a:p>
-            <a:pPr marL="274320" lvl="0" indent="-274320" algn="l" rtl="0">
-              <a:lnSpc>
-                <a:spcPct val="70000"/>
-              </a:lnSpc>
-              <a:spcBef>
-                <a:spcPts val="1800"/>
-              </a:spcBef>
-              <a:spcAft>
-                <a:spcPts val="0"/>
-              </a:spcAft>
-              <a:buClrTx/>
-              <a:buSzPts val="2040"/>
-              <a:buChar char="▪"/>
-            </a:pPr>
-            <a:r>
-              <a:rPr lang="pt-BR" sz="2040" dirty="0"/>
-              <a:t>MHF - Encapsulamento dos Métodos</a:t>
-            </a:r>
-            <a:endParaRPr dirty="0"/>
-          </a:p>
-          <a:p>
-            <a:pPr marL="274320" lvl="0" indent="-274320" algn="l" rtl="0">
-              <a:lnSpc>
-                <a:spcPct val="70000"/>
-              </a:lnSpc>
-              <a:spcBef>
-                <a:spcPts val="1800"/>
-              </a:spcBef>
-              <a:spcAft>
-                <a:spcPts val="0"/>
-              </a:spcAft>
-              <a:buClrTx/>
-              <a:buSzPts val="2040"/>
-              <a:buChar char="▪"/>
-            </a:pPr>
-            <a:r>
-              <a:rPr lang="pt-BR" sz="2040" dirty="0"/>
-              <a:t>MIF - Medida de Herança de Método</a:t>
-            </a:r>
-            <a:endParaRPr dirty="0"/>
-          </a:p>
-          <a:p>
-            <a:pPr marL="274320" lvl="0" indent="-274320" algn="l" rtl="0">
-              <a:lnSpc>
-                <a:spcPct val="70000"/>
-              </a:lnSpc>
-              <a:spcBef>
-                <a:spcPts val="1800"/>
-              </a:spcBef>
-              <a:spcAft>
-                <a:spcPts val="0"/>
-              </a:spcAft>
-              <a:buClrTx/>
-              <a:buSzPts val="2040"/>
-              <a:buChar char="▪"/>
-            </a:pPr>
-            <a:r>
-              <a:rPr lang="pt-BR" sz="2040" dirty="0"/>
-              <a:t>PF - Medida de Polimorfismo</a:t>
-            </a:r>
-            <a:endParaRPr dirty="0"/>
-          </a:p>
-        </p:txBody>
-      </p:sp>
-      <p:sp>
-        <p:nvSpPr>
-          <p:cNvPr id="1469" name="Google Shape;1469;p23"/>
-          <p:cNvSpPr txBox="1">
-            <a:spLocks noGrp="1"/>
-          </p:cNvSpPr>
-          <p:nvPr>
-            <p:ph type="sldNum" sz="quarter" idx="12"/>
-          </p:nvPr>
-        </p:nvSpPr>
-        <p:spPr>
-          <a:prstGeom prst="rect">
-            <a:avLst/>
-          </a:prstGeom>
-          <a:noFill/>
-          <a:ln>
-            <a:noFill/>
-          </a:ln>
-        </p:spPr>
-        <p:txBody>
-          <a:bodyPr spcFirstLastPara="1" wrap="square" lIns="91425" tIns="45700" rIns="91425" bIns="45700" anchor="ctr" anchorCtr="0">
-            <a:noAutofit/>
-          </a:bodyPr>
-          <a:lstStyle/>
-          <a:p>
-            <a:pPr marL="0" lvl="0" indent="0" algn="r" rtl="0">
-              <a:spcBef>
-                <a:spcPts val="0"/>
-              </a:spcBef>
-              <a:spcAft>
-                <a:spcPts val="0"/>
-              </a:spcAft>
-              <a:buNone/>
-            </a:pPr>
-            <a:fld id="{00000000-1234-1234-1234-123412341234}" type="slidenum">
-              <a:rPr lang="pt-BR"/>
-              <a:t>9</a:t>
-            </a:fld>
-            <a:endParaRPr/>
-          </a:p>
-        </p:txBody>
-      </p:sp>
-    </p:spTree>
-  </p:cSld>
-  <p:clrMapOvr>
-    <a:masterClrMapping/>
-  </p:clrMapOvr>
-  <mc:AlternateContent xmlns:mc="http://schemas.openxmlformats.org/markup-compatibility/2006" xmlns:p14="http://schemas.microsoft.com/office/powerpoint/2010/main">
-    <mc:Choice Requires="p14">
-      <p:transition spd="med" p14:dur="700">
-        <p:fade/>
-      </p:transition>
-    </mc:Choice>
-    <mc:Fallback xmlns:p15="http://schemas.microsoft.com/office/powerpoint/2012/main" xmlns:com="http://schemas.openxmlformats.org/drawingml/2006/compatibility" xmlns:pvml="urn:schemas-microsoft-com:office:powerpoint" xmlns:v="urn:schemas-microsoft-com:vml" xmlns:o="urn:schemas-microsoft-com:office:office" xmlns:dgm="http://schemas.openxmlformats.org/drawingml/2006/diagram" xmlns:c="http://schemas.openxmlformats.org/drawingml/2006/chart" xmlns:mv="urn:schemas-microsoft-com:mac:vml" xmlns="">
+    <mc:Fallback xmlns="" xmlns:mv="urn:schemas-microsoft-com:mac:vml" xmlns:c="http://schemas.openxmlformats.org/drawingml/2006/chart" xmlns:dgm="http://schemas.openxmlformats.org/drawingml/2006/diagram" xmlns:o="urn:schemas-microsoft-com:office:office" xmlns:v="urn:schemas-microsoft-com:vml" xmlns:pvml="urn:schemas-microsoft-com:office:powerpoint" xmlns:com="http://schemas.openxmlformats.org/drawingml/2006/compatibility" xmlns:p15="http://schemas.microsoft.com/office/powerpoint/2012/main">
       <p:transition spd="slow">
         <p:fade/>
       </p:transition>

--- a/Apresentacao_TCC2.pptx
+++ b/Apresentacao_TCC2.pptx
@@ -2744,7 +2744,7 @@
           <a:p>
             <a:fld id="{C3515E96-34F6-4CCC-BABB-7B43210544BB}" type="datetimeFigureOut">
               <a:rPr lang="pt-BR" smtClean="0"/>
-              <a:t>02/12/2019</a:t>
+              <a:t>04/12/2019</a:t>
             </a:fld>
             <a:endParaRPr lang="pt-BR"/>
           </a:p>
@@ -2849,7 +2849,7 @@
         <p:fade/>
       </p:transition>
     </mc:Choice>
-    <mc:Fallback xmlns="" xmlns:mv="urn:schemas-microsoft-com:mac:vml" xmlns:c="http://schemas.openxmlformats.org/drawingml/2006/chart" xmlns:dgm="http://schemas.openxmlformats.org/drawingml/2006/diagram" xmlns:o="urn:schemas-microsoft-com:office:office" xmlns:v="urn:schemas-microsoft-com:vml" xmlns:pvml="urn:schemas-microsoft-com:office:powerpoint" xmlns:com="http://schemas.openxmlformats.org/drawingml/2006/compatibility" xmlns:p15="http://schemas.microsoft.com/office/powerpoint/2012/main">
+    <mc:Fallback xmlns:p15="http://schemas.microsoft.com/office/powerpoint/2012/main" xmlns:com="http://schemas.openxmlformats.org/drawingml/2006/compatibility" xmlns:pvml="urn:schemas-microsoft-com:office:powerpoint" xmlns:v="urn:schemas-microsoft-com:vml" xmlns:o="urn:schemas-microsoft-com:office:office" xmlns:dgm="http://schemas.openxmlformats.org/drawingml/2006/diagram" xmlns:c="http://schemas.openxmlformats.org/drawingml/2006/chart" xmlns:mv="urn:schemas-microsoft-com:mac:vml" xmlns="">
       <p:transition spd="slow">
         <p:fade/>
       </p:transition>
@@ -3067,7 +3067,7 @@
         <p:fade/>
       </p:transition>
     </mc:Choice>
-    <mc:Fallback xmlns="" xmlns:mv="urn:schemas-microsoft-com:mac:vml" xmlns:c="http://schemas.openxmlformats.org/drawingml/2006/chart" xmlns:dgm="http://schemas.openxmlformats.org/drawingml/2006/diagram" xmlns:o="urn:schemas-microsoft-com:office:office" xmlns:v="urn:schemas-microsoft-com:vml" xmlns:pvml="urn:schemas-microsoft-com:office:powerpoint" xmlns:com="http://schemas.openxmlformats.org/drawingml/2006/compatibility" xmlns:p15="http://schemas.microsoft.com/office/powerpoint/2012/main">
+    <mc:Fallback xmlns:p15="http://schemas.microsoft.com/office/powerpoint/2012/main" xmlns:com="http://schemas.openxmlformats.org/drawingml/2006/compatibility" xmlns:pvml="urn:schemas-microsoft-com:office:powerpoint" xmlns:v="urn:schemas-microsoft-com:vml" xmlns:o="urn:schemas-microsoft-com:office:office" xmlns:dgm="http://schemas.openxmlformats.org/drawingml/2006/diagram" xmlns:c="http://schemas.openxmlformats.org/drawingml/2006/chart" xmlns:mv="urn:schemas-microsoft-com:mac:vml" xmlns="">
       <p:transition spd="slow">
         <p:fade/>
       </p:transition>
@@ -3299,7 +3299,7 @@
         <p:fade/>
       </p:transition>
     </mc:Choice>
-    <mc:Fallback xmlns="" xmlns:mv="urn:schemas-microsoft-com:mac:vml" xmlns:c="http://schemas.openxmlformats.org/drawingml/2006/chart" xmlns:dgm="http://schemas.openxmlformats.org/drawingml/2006/diagram" xmlns:o="urn:schemas-microsoft-com:office:office" xmlns:v="urn:schemas-microsoft-com:vml" xmlns:pvml="urn:schemas-microsoft-com:office:powerpoint" xmlns:com="http://schemas.openxmlformats.org/drawingml/2006/compatibility" xmlns:p15="http://schemas.microsoft.com/office/powerpoint/2012/main">
+    <mc:Fallback xmlns:p15="http://schemas.microsoft.com/office/powerpoint/2012/main" xmlns:com="http://schemas.openxmlformats.org/drawingml/2006/compatibility" xmlns:pvml="urn:schemas-microsoft-com:office:powerpoint" xmlns:v="urn:schemas-microsoft-com:vml" xmlns:o="urn:schemas-microsoft-com:office:office" xmlns:dgm="http://schemas.openxmlformats.org/drawingml/2006/diagram" xmlns:c="http://schemas.openxmlformats.org/drawingml/2006/chart" xmlns:mv="urn:schemas-microsoft-com:mac:vml" xmlns="">
       <p:transition spd="slow">
         <p:fade/>
       </p:transition>
@@ -4605,7 +4605,7 @@
         <p:fade/>
       </p:transition>
     </mc:Choice>
-    <mc:Fallback xmlns="" xmlns:mv="urn:schemas-microsoft-com:mac:vml" xmlns:c="http://schemas.openxmlformats.org/drawingml/2006/chart" xmlns:dgm="http://schemas.openxmlformats.org/drawingml/2006/diagram" xmlns:o="urn:schemas-microsoft-com:office:office" xmlns:v="urn:schemas-microsoft-com:vml" xmlns:pvml="urn:schemas-microsoft-com:office:powerpoint" xmlns:com="http://schemas.openxmlformats.org/drawingml/2006/compatibility" xmlns:p15="http://schemas.microsoft.com/office/powerpoint/2012/main">
+    <mc:Fallback xmlns:p15="http://schemas.microsoft.com/office/powerpoint/2012/main" xmlns:com="http://schemas.openxmlformats.org/drawingml/2006/compatibility" xmlns:pvml="urn:schemas-microsoft-com:office:powerpoint" xmlns:v="urn:schemas-microsoft-com:vml" xmlns:o="urn:schemas-microsoft-com:office:office" xmlns:dgm="http://schemas.openxmlformats.org/drawingml/2006/diagram" xmlns:c="http://schemas.openxmlformats.org/drawingml/2006/chart" xmlns:mv="urn:schemas-microsoft-com:mac:vml" xmlns="">
       <p:transition spd="slow">
         <p:fade/>
       </p:transition>
@@ -4823,7 +4823,7 @@
         <p:fade/>
       </p:transition>
     </mc:Choice>
-    <mc:Fallback xmlns="" xmlns:mv="urn:schemas-microsoft-com:mac:vml" xmlns:c="http://schemas.openxmlformats.org/drawingml/2006/chart" xmlns:dgm="http://schemas.openxmlformats.org/drawingml/2006/diagram" xmlns:o="urn:schemas-microsoft-com:office:office" xmlns:v="urn:schemas-microsoft-com:vml" xmlns:pvml="urn:schemas-microsoft-com:office:powerpoint" xmlns:com="http://schemas.openxmlformats.org/drawingml/2006/compatibility" xmlns:p15="http://schemas.microsoft.com/office/powerpoint/2012/main">
+    <mc:Fallback xmlns:p15="http://schemas.microsoft.com/office/powerpoint/2012/main" xmlns:com="http://schemas.openxmlformats.org/drawingml/2006/compatibility" xmlns:pvml="urn:schemas-microsoft-com:office:powerpoint" xmlns:v="urn:schemas-microsoft-com:vml" xmlns:o="urn:schemas-microsoft-com:office:office" xmlns:dgm="http://schemas.openxmlformats.org/drawingml/2006/diagram" xmlns:c="http://schemas.openxmlformats.org/drawingml/2006/chart" xmlns:mv="urn:schemas-microsoft-com:mac:vml" xmlns="">
       <p:transition spd="slow">
         <p:fade/>
       </p:transition>
@@ -5119,7 +5119,7 @@
         <p:fade/>
       </p:transition>
     </mc:Choice>
-    <mc:Fallback xmlns="" xmlns:mv="urn:schemas-microsoft-com:mac:vml" xmlns:c="http://schemas.openxmlformats.org/drawingml/2006/chart" xmlns:dgm="http://schemas.openxmlformats.org/drawingml/2006/diagram" xmlns:o="urn:schemas-microsoft-com:office:office" xmlns:v="urn:schemas-microsoft-com:vml" xmlns:pvml="urn:schemas-microsoft-com:office:powerpoint" xmlns:com="http://schemas.openxmlformats.org/drawingml/2006/compatibility" xmlns:p15="http://schemas.microsoft.com/office/powerpoint/2012/main">
+    <mc:Fallback xmlns:p15="http://schemas.microsoft.com/office/powerpoint/2012/main" xmlns:com="http://schemas.openxmlformats.org/drawingml/2006/compatibility" xmlns:pvml="urn:schemas-microsoft-com:office:powerpoint" xmlns:v="urn:schemas-microsoft-com:vml" xmlns:o="urn:schemas-microsoft-com:office:office" xmlns:dgm="http://schemas.openxmlformats.org/drawingml/2006/diagram" xmlns:c="http://schemas.openxmlformats.org/drawingml/2006/chart" xmlns:mv="urn:schemas-microsoft-com:mac:vml" xmlns="">
       <p:transition spd="slow">
         <p:fade/>
       </p:transition>
@@ -5826,7 +5826,7 @@
         <p:fade/>
       </p:transition>
     </mc:Choice>
-    <mc:Fallback xmlns="" xmlns:mv="urn:schemas-microsoft-com:mac:vml" xmlns:c="http://schemas.openxmlformats.org/drawingml/2006/chart" xmlns:dgm="http://schemas.openxmlformats.org/drawingml/2006/diagram" xmlns:o="urn:schemas-microsoft-com:office:office" xmlns:v="urn:schemas-microsoft-com:vml" xmlns:pvml="urn:schemas-microsoft-com:office:powerpoint" xmlns:com="http://schemas.openxmlformats.org/drawingml/2006/compatibility" xmlns:p15="http://schemas.microsoft.com/office/powerpoint/2012/main">
+    <mc:Fallback xmlns:p15="http://schemas.microsoft.com/office/powerpoint/2012/main" xmlns:com="http://schemas.openxmlformats.org/drawingml/2006/compatibility" xmlns:pvml="urn:schemas-microsoft-com:office:powerpoint" xmlns:v="urn:schemas-microsoft-com:vml" xmlns:o="urn:schemas-microsoft-com:office:office" xmlns:dgm="http://schemas.openxmlformats.org/drawingml/2006/diagram" xmlns:c="http://schemas.openxmlformats.org/drawingml/2006/chart" xmlns:mv="urn:schemas-microsoft-com:mac:vml" xmlns="">
       <p:transition spd="slow">
         <p:fade/>
       </p:transition>
@@ -5992,7 +5992,7 @@
         <p:fade/>
       </p:transition>
     </mc:Choice>
-    <mc:Fallback xmlns="" xmlns:mv="urn:schemas-microsoft-com:mac:vml" xmlns:c="http://schemas.openxmlformats.org/drawingml/2006/chart" xmlns:dgm="http://schemas.openxmlformats.org/drawingml/2006/diagram" xmlns:o="urn:schemas-microsoft-com:office:office" xmlns:v="urn:schemas-microsoft-com:vml" xmlns:pvml="urn:schemas-microsoft-com:office:powerpoint" xmlns:com="http://schemas.openxmlformats.org/drawingml/2006/compatibility" xmlns:p15="http://schemas.microsoft.com/office/powerpoint/2012/main">
+    <mc:Fallback xmlns:p15="http://schemas.microsoft.com/office/powerpoint/2012/main" xmlns:com="http://schemas.openxmlformats.org/drawingml/2006/compatibility" xmlns:pvml="urn:schemas-microsoft-com:office:powerpoint" xmlns:v="urn:schemas-microsoft-com:vml" xmlns:o="urn:schemas-microsoft-com:office:office" xmlns:dgm="http://schemas.openxmlformats.org/drawingml/2006/diagram" xmlns:c="http://schemas.openxmlformats.org/drawingml/2006/chart" xmlns:mv="urn:schemas-microsoft-com:mac:vml" xmlns="">
       <p:transition spd="slow">
         <p:fade/>
       </p:transition>
@@ -6392,7 +6392,7 @@
         <p:fade/>
       </p:transition>
     </mc:Choice>
-    <mc:Fallback xmlns="" xmlns:mv="urn:schemas-microsoft-com:mac:vml" xmlns:c="http://schemas.openxmlformats.org/drawingml/2006/chart" xmlns:dgm="http://schemas.openxmlformats.org/drawingml/2006/diagram" xmlns:o="urn:schemas-microsoft-com:office:office" xmlns:v="urn:schemas-microsoft-com:vml" xmlns:pvml="urn:schemas-microsoft-com:office:powerpoint" xmlns:com="http://schemas.openxmlformats.org/drawingml/2006/compatibility" xmlns:p15="http://schemas.microsoft.com/office/powerpoint/2012/main">
+    <mc:Fallback xmlns:p15="http://schemas.microsoft.com/office/powerpoint/2012/main" xmlns:com="http://schemas.openxmlformats.org/drawingml/2006/compatibility" xmlns:pvml="urn:schemas-microsoft-com:office:powerpoint" xmlns:v="urn:schemas-microsoft-com:vml" xmlns:o="urn:schemas-microsoft-com:office:office" xmlns:dgm="http://schemas.openxmlformats.org/drawingml/2006/diagram" xmlns:c="http://schemas.openxmlformats.org/drawingml/2006/chart" xmlns:mv="urn:schemas-microsoft-com:mac:vml" xmlns="">
       <p:transition spd="slow">
         <p:fade/>
       </p:transition>
@@ -7242,7 +7242,7 @@
         <p:fade/>
       </p:transition>
     </mc:Choice>
-    <mc:Fallback xmlns="" xmlns:mv="urn:schemas-microsoft-com:mac:vml" xmlns:c="http://schemas.openxmlformats.org/drawingml/2006/chart" xmlns:dgm="http://schemas.openxmlformats.org/drawingml/2006/diagram" xmlns:o="urn:schemas-microsoft-com:office:office" xmlns:v="urn:schemas-microsoft-com:vml" xmlns:pvml="urn:schemas-microsoft-com:office:powerpoint" xmlns:com="http://schemas.openxmlformats.org/drawingml/2006/compatibility" xmlns:p15="http://schemas.microsoft.com/office/powerpoint/2012/main">
+    <mc:Fallback xmlns:p15="http://schemas.microsoft.com/office/powerpoint/2012/main" xmlns:com="http://schemas.openxmlformats.org/drawingml/2006/compatibility" xmlns:pvml="urn:schemas-microsoft-com:office:powerpoint" xmlns:v="urn:schemas-microsoft-com:vml" xmlns:o="urn:schemas-microsoft-com:office:office" xmlns:dgm="http://schemas.openxmlformats.org/drawingml/2006/diagram" xmlns:c="http://schemas.openxmlformats.org/drawingml/2006/chart" xmlns:mv="urn:schemas-microsoft-com:mac:vml" xmlns="">
       <p:transition spd="slow">
         <p:fade/>
       </p:transition>
@@ -7649,7 +7649,7 @@
           </a:bodyPr>
           <a:lstStyle/>
           <a:p>
-            <a:pPr marL="0" lvl="0" indent="0" algn="l" rtl="0">
+            <a:pPr marL="0" lvl="0" indent="0" rtl="0">
               <a:lnSpc>
                 <a:spcPct val="90000"/>
               </a:lnSpc>
@@ -7723,6 +7723,32 @@
               <a:rPr lang="pt-BR" dirty="0"/>
               <a:t>Nome: Felipe Augusto Silva Marques</a:t>
             </a:r>
+          </a:p>
+          <a:p>
+            <a:pPr lvl="0">
+              <a:lnSpc>
+                <a:spcPct val="80000"/>
+              </a:lnSpc>
+              <a:spcBef>
+                <a:spcPts val="0"/>
+              </a:spcBef>
+              <a:buClr>
+                <a:schemeClr val="lt1"/>
+              </a:buClr>
+              <a:buSzPts val="2400"/>
+            </a:pPr>
+            <a:r>
+              <a:rPr lang="pt-BR" dirty="0"/>
+              <a:t>Orientador: </a:t>
+            </a:r>
+            <a:r>
+              <a:rPr lang="pt-BR" dirty="0" err="1"/>
+              <a:t>Lesandro</a:t>
+            </a:r>
+            <a:r>
+              <a:rPr lang="pt-BR"/>
+              <a:t> Ponciano dos Santos</a:t>
+            </a:r>
             <a:endParaRPr dirty="0"/>
           </a:p>
           <a:p>
@@ -7784,7 +7810,7 @@
         <p:fade/>
       </p:transition>
     </mc:Choice>
-    <mc:Fallback xmlns="" xmlns:mv="urn:schemas-microsoft-com:mac:vml" xmlns:c="http://schemas.openxmlformats.org/drawingml/2006/chart" xmlns:dgm="http://schemas.openxmlformats.org/drawingml/2006/diagram" xmlns:o="urn:schemas-microsoft-com:office:office" xmlns:v="urn:schemas-microsoft-com:vml" xmlns:pvml="urn:schemas-microsoft-com:office:powerpoint" xmlns:com="http://schemas.openxmlformats.org/drawingml/2006/compatibility" xmlns:p15="http://schemas.microsoft.com/office/powerpoint/2012/main">
+    <mc:Fallback xmlns:p15="http://schemas.microsoft.com/office/powerpoint/2012/main" xmlns:com="http://schemas.openxmlformats.org/drawingml/2006/compatibility" xmlns:pvml="urn:schemas-microsoft-com:office:powerpoint" xmlns:v="urn:schemas-microsoft-com:vml" xmlns:o="urn:schemas-microsoft-com:office:office" xmlns:dgm="http://schemas.openxmlformats.org/drawingml/2006/diagram" xmlns:c="http://schemas.openxmlformats.org/drawingml/2006/chart" xmlns:mv="urn:schemas-microsoft-com:mac:vml" xmlns="">
       <p:transition spd="slow">
         <p:fade/>
       </p:transition>
@@ -8280,7 +8306,7 @@
         <p:fade/>
       </p:transition>
     </mc:Choice>
-    <mc:Fallback xmlns="" xmlns:mv="urn:schemas-microsoft-com:mac:vml" xmlns:c="http://schemas.openxmlformats.org/drawingml/2006/chart" xmlns:dgm="http://schemas.openxmlformats.org/drawingml/2006/diagram" xmlns:o="urn:schemas-microsoft-com:office:office" xmlns:v="urn:schemas-microsoft-com:vml" xmlns:pvml="urn:schemas-microsoft-com:office:powerpoint" xmlns:com="http://schemas.openxmlformats.org/drawingml/2006/compatibility" xmlns:p15="http://schemas.microsoft.com/office/powerpoint/2012/main">
+    <mc:Fallback xmlns:p15="http://schemas.microsoft.com/office/powerpoint/2012/main" xmlns:com="http://schemas.openxmlformats.org/drawingml/2006/compatibility" xmlns:pvml="urn:schemas-microsoft-com:office:powerpoint" xmlns:v="urn:schemas-microsoft-com:vml" xmlns:o="urn:schemas-microsoft-com:office:office" xmlns:dgm="http://schemas.openxmlformats.org/drawingml/2006/diagram" xmlns:c="http://schemas.openxmlformats.org/drawingml/2006/chart" xmlns:mv="urn:schemas-microsoft-com:mac:vml" xmlns="">
       <p:transition spd="slow">
         <p:fade/>
       </p:transition>
@@ -8425,7 +8451,7 @@
         <p:fade/>
       </p:transition>
     </mc:Choice>
-    <mc:Fallback xmlns="" xmlns:mv="urn:schemas-microsoft-com:mac:vml" xmlns:c="http://schemas.openxmlformats.org/drawingml/2006/chart" xmlns:dgm="http://schemas.openxmlformats.org/drawingml/2006/diagram" xmlns:o="urn:schemas-microsoft-com:office:office" xmlns:v="urn:schemas-microsoft-com:vml" xmlns:pvml="urn:schemas-microsoft-com:office:powerpoint" xmlns:com="http://schemas.openxmlformats.org/drawingml/2006/compatibility" xmlns:p15="http://schemas.microsoft.com/office/powerpoint/2012/main">
+    <mc:Fallback xmlns:p15="http://schemas.microsoft.com/office/powerpoint/2012/main" xmlns:com="http://schemas.openxmlformats.org/drawingml/2006/compatibility" xmlns:pvml="urn:schemas-microsoft-com:office:powerpoint" xmlns:v="urn:schemas-microsoft-com:vml" xmlns:o="urn:schemas-microsoft-com:office:office" xmlns:dgm="http://schemas.openxmlformats.org/drawingml/2006/diagram" xmlns:c="http://schemas.openxmlformats.org/drawingml/2006/chart" xmlns:mv="urn:schemas-microsoft-com:mac:vml" xmlns="">
       <p:transition spd="slow">
         <p:fade/>
       </p:transition>
@@ -8601,7 +8627,7 @@
         <p:fade/>
       </p:transition>
     </mc:Choice>
-    <mc:Fallback xmlns="" xmlns:mv="urn:schemas-microsoft-com:mac:vml" xmlns:c="http://schemas.openxmlformats.org/drawingml/2006/chart" xmlns:dgm="http://schemas.openxmlformats.org/drawingml/2006/diagram" xmlns:o="urn:schemas-microsoft-com:office:office" xmlns:v="urn:schemas-microsoft-com:vml" xmlns:pvml="urn:schemas-microsoft-com:office:powerpoint" xmlns:com="http://schemas.openxmlformats.org/drawingml/2006/compatibility" xmlns:p15="http://schemas.microsoft.com/office/powerpoint/2012/main">
+    <mc:Fallback xmlns:p15="http://schemas.microsoft.com/office/powerpoint/2012/main" xmlns:com="http://schemas.openxmlformats.org/drawingml/2006/compatibility" xmlns:pvml="urn:schemas-microsoft-com:office:powerpoint" xmlns:v="urn:schemas-microsoft-com:vml" xmlns:o="urn:schemas-microsoft-com:office:office" xmlns:dgm="http://schemas.openxmlformats.org/drawingml/2006/diagram" xmlns:c="http://schemas.openxmlformats.org/drawingml/2006/chart" xmlns:mv="urn:schemas-microsoft-com:mac:vml" xmlns="">
       <p:transition spd="slow">
         <p:fade/>
       </p:transition>
@@ -8764,7 +8790,7 @@
         <p:fade/>
       </p:transition>
     </mc:Choice>
-    <mc:Fallback xmlns="" xmlns:mv="urn:schemas-microsoft-com:mac:vml" xmlns:c="http://schemas.openxmlformats.org/drawingml/2006/chart" xmlns:dgm="http://schemas.openxmlformats.org/drawingml/2006/diagram" xmlns:o="urn:schemas-microsoft-com:office:office" xmlns:v="urn:schemas-microsoft-com:vml" xmlns:pvml="urn:schemas-microsoft-com:office:powerpoint" xmlns:com="http://schemas.openxmlformats.org/drawingml/2006/compatibility" xmlns:p15="http://schemas.microsoft.com/office/powerpoint/2012/main">
+    <mc:Fallback xmlns:p15="http://schemas.microsoft.com/office/powerpoint/2012/main" xmlns:com="http://schemas.openxmlformats.org/drawingml/2006/compatibility" xmlns:pvml="urn:schemas-microsoft-com:office:powerpoint" xmlns:v="urn:schemas-microsoft-com:vml" xmlns:o="urn:schemas-microsoft-com:office:office" xmlns:dgm="http://schemas.openxmlformats.org/drawingml/2006/diagram" xmlns:c="http://schemas.openxmlformats.org/drawingml/2006/chart" xmlns:mv="urn:schemas-microsoft-com:mac:vml" xmlns="">
       <p:transition spd="slow">
         <p:fade/>
       </p:transition>
@@ -8927,7 +8953,7 @@
         <p:fade/>
       </p:transition>
     </mc:Choice>
-    <mc:Fallback xmlns="" xmlns:mv="urn:schemas-microsoft-com:mac:vml" xmlns:c="http://schemas.openxmlformats.org/drawingml/2006/chart" xmlns:dgm="http://schemas.openxmlformats.org/drawingml/2006/diagram" xmlns:o="urn:schemas-microsoft-com:office:office" xmlns:v="urn:schemas-microsoft-com:vml" xmlns:pvml="urn:schemas-microsoft-com:office:powerpoint" xmlns:com="http://schemas.openxmlformats.org/drawingml/2006/compatibility" xmlns:p15="http://schemas.microsoft.com/office/powerpoint/2012/main">
+    <mc:Fallback xmlns:p15="http://schemas.microsoft.com/office/powerpoint/2012/main" xmlns:com="http://schemas.openxmlformats.org/drawingml/2006/compatibility" xmlns:pvml="urn:schemas-microsoft-com:office:powerpoint" xmlns:v="urn:schemas-microsoft-com:vml" xmlns:o="urn:schemas-microsoft-com:office:office" xmlns:dgm="http://schemas.openxmlformats.org/drawingml/2006/diagram" xmlns:c="http://schemas.openxmlformats.org/drawingml/2006/chart" xmlns:mv="urn:schemas-microsoft-com:mac:vml" xmlns="">
       <p:transition spd="slow">
         <p:fade/>
       </p:transition>
@@ -9065,7 +9091,7 @@
         <p:fade/>
       </p:transition>
     </mc:Choice>
-    <mc:Fallback xmlns="" xmlns:mv="urn:schemas-microsoft-com:mac:vml" xmlns:c="http://schemas.openxmlformats.org/drawingml/2006/chart" xmlns:dgm="http://schemas.openxmlformats.org/drawingml/2006/diagram" xmlns:o="urn:schemas-microsoft-com:office:office" xmlns:v="urn:schemas-microsoft-com:vml" xmlns:pvml="urn:schemas-microsoft-com:office:powerpoint" xmlns:com="http://schemas.openxmlformats.org/drawingml/2006/compatibility" xmlns:p15="http://schemas.microsoft.com/office/powerpoint/2012/main">
+    <mc:Fallback xmlns:p15="http://schemas.microsoft.com/office/powerpoint/2012/main" xmlns:com="http://schemas.openxmlformats.org/drawingml/2006/compatibility" xmlns:pvml="urn:schemas-microsoft-com:office:powerpoint" xmlns:v="urn:schemas-microsoft-com:vml" xmlns:o="urn:schemas-microsoft-com:office:office" xmlns:dgm="http://schemas.openxmlformats.org/drawingml/2006/diagram" xmlns:c="http://schemas.openxmlformats.org/drawingml/2006/chart" xmlns:mv="urn:schemas-microsoft-com:mac:vml" xmlns="">
       <p:transition spd="slow">
         <p:fade/>
       </p:transition>
@@ -9219,7 +9245,7 @@
         <p:fade/>
       </p:transition>
     </mc:Choice>
-    <mc:Fallback xmlns="" xmlns:mv="urn:schemas-microsoft-com:mac:vml" xmlns:c="http://schemas.openxmlformats.org/drawingml/2006/chart" xmlns:dgm="http://schemas.openxmlformats.org/drawingml/2006/diagram" xmlns:o="urn:schemas-microsoft-com:office:office" xmlns:v="urn:schemas-microsoft-com:vml" xmlns:pvml="urn:schemas-microsoft-com:office:powerpoint" xmlns:com="http://schemas.openxmlformats.org/drawingml/2006/compatibility" xmlns:p15="http://schemas.microsoft.com/office/powerpoint/2012/main">
+    <mc:Fallback xmlns:p15="http://schemas.microsoft.com/office/powerpoint/2012/main" xmlns:com="http://schemas.openxmlformats.org/drawingml/2006/compatibility" xmlns:pvml="urn:schemas-microsoft-com:office:powerpoint" xmlns:v="urn:schemas-microsoft-com:vml" xmlns:o="urn:schemas-microsoft-com:office:office" xmlns:dgm="http://schemas.openxmlformats.org/drawingml/2006/diagram" xmlns:c="http://schemas.openxmlformats.org/drawingml/2006/chart" xmlns:mv="urn:schemas-microsoft-com:mac:vml" xmlns="">
       <p:transition spd="slow">
         <p:fade/>
       </p:transition>
@@ -10009,7 +10035,7 @@
         <p:fade/>
       </p:transition>
     </mc:Choice>
-    <mc:Fallback xmlns="" xmlns:mv="urn:schemas-microsoft-com:mac:vml" xmlns:c="http://schemas.openxmlformats.org/drawingml/2006/chart" xmlns:dgm="http://schemas.openxmlformats.org/drawingml/2006/diagram" xmlns:o="urn:schemas-microsoft-com:office:office" xmlns:v="urn:schemas-microsoft-com:vml" xmlns:pvml="urn:schemas-microsoft-com:office:powerpoint" xmlns:com="http://schemas.openxmlformats.org/drawingml/2006/compatibility" xmlns:p15="http://schemas.microsoft.com/office/powerpoint/2012/main">
+    <mc:Fallback xmlns:p15="http://schemas.microsoft.com/office/powerpoint/2012/main" xmlns:com="http://schemas.openxmlformats.org/drawingml/2006/compatibility" xmlns:pvml="urn:schemas-microsoft-com:office:powerpoint" xmlns:v="urn:schemas-microsoft-com:vml" xmlns:o="urn:schemas-microsoft-com:office:office" xmlns:dgm="http://schemas.openxmlformats.org/drawingml/2006/diagram" xmlns:c="http://schemas.openxmlformats.org/drawingml/2006/chart" xmlns:mv="urn:schemas-microsoft-com:mac:vml" xmlns="">
       <p:transition spd="slow">
         <p:fade/>
       </p:transition>
@@ -10168,7 +10194,7 @@
         <p:fade/>
       </p:transition>
     </mc:Choice>
-    <mc:Fallback xmlns="" xmlns:mv="urn:schemas-microsoft-com:mac:vml" xmlns:c="http://schemas.openxmlformats.org/drawingml/2006/chart" xmlns:dgm="http://schemas.openxmlformats.org/drawingml/2006/diagram" xmlns:o="urn:schemas-microsoft-com:office:office" xmlns:v="urn:schemas-microsoft-com:vml" xmlns:pvml="urn:schemas-microsoft-com:office:powerpoint" xmlns:com="http://schemas.openxmlformats.org/drawingml/2006/compatibility" xmlns:p15="http://schemas.microsoft.com/office/powerpoint/2012/main">
+    <mc:Fallback xmlns:p15="http://schemas.microsoft.com/office/powerpoint/2012/main" xmlns:com="http://schemas.openxmlformats.org/drawingml/2006/compatibility" xmlns:pvml="urn:schemas-microsoft-com:office:powerpoint" xmlns:v="urn:schemas-microsoft-com:vml" xmlns:o="urn:schemas-microsoft-com:office:office" xmlns:dgm="http://schemas.openxmlformats.org/drawingml/2006/diagram" xmlns:c="http://schemas.openxmlformats.org/drawingml/2006/chart" xmlns:mv="urn:schemas-microsoft-com:mac:vml" xmlns="">
       <p:transition spd="slow">
         <p:fade/>
       </p:transition>
@@ -10407,7 +10433,7 @@
         <p:fade/>
       </p:transition>
     </mc:Choice>
-    <mc:Fallback xmlns="" xmlns:mv="urn:schemas-microsoft-com:mac:vml" xmlns:c="http://schemas.openxmlformats.org/drawingml/2006/chart" xmlns:dgm="http://schemas.openxmlformats.org/drawingml/2006/diagram" xmlns:o="urn:schemas-microsoft-com:office:office" xmlns:v="urn:schemas-microsoft-com:vml" xmlns:pvml="urn:schemas-microsoft-com:office:powerpoint" xmlns:com="http://schemas.openxmlformats.org/drawingml/2006/compatibility" xmlns:p15="http://schemas.microsoft.com/office/powerpoint/2012/main">
+    <mc:Fallback xmlns:p15="http://schemas.microsoft.com/office/powerpoint/2012/main" xmlns:com="http://schemas.openxmlformats.org/drawingml/2006/compatibility" xmlns:pvml="urn:schemas-microsoft-com:office:powerpoint" xmlns:v="urn:schemas-microsoft-com:vml" xmlns:o="urn:schemas-microsoft-com:office:office" xmlns:dgm="http://schemas.openxmlformats.org/drawingml/2006/diagram" xmlns:c="http://schemas.openxmlformats.org/drawingml/2006/chart" xmlns:mv="urn:schemas-microsoft-com:mac:vml" xmlns="">
       <p:transition spd="slow">
         <p:fade/>
       </p:transition>
@@ -10610,7 +10636,7 @@
         <p:fade/>
       </p:transition>
     </mc:Choice>
-    <mc:Fallback xmlns="" xmlns:mv="urn:schemas-microsoft-com:mac:vml" xmlns:c="http://schemas.openxmlformats.org/drawingml/2006/chart" xmlns:dgm="http://schemas.openxmlformats.org/drawingml/2006/diagram" xmlns:o="urn:schemas-microsoft-com:office:office" xmlns:v="urn:schemas-microsoft-com:vml" xmlns:pvml="urn:schemas-microsoft-com:office:powerpoint" xmlns:com="http://schemas.openxmlformats.org/drawingml/2006/compatibility" xmlns:p15="http://schemas.microsoft.com/office/powerpoint/2012/main">
+    <mc:Fallback xmlns:p15="http://schemas.microsoft.com/office/powerpoint/2012/main" xmlns:com="http://schemas.openxmlformats.org/drawingml/2006/compatibility" xmlns:pvml="urn:schemas-microsoft-com:office:powerpoint" xmlns:v="urn:schemas-microsoft-com:vml" xmlns:o="urn:schemas-microsoft-com:office:office" xmlns:dgm="http://schemas.openxmlformats.org/drawingml/2006/diagram" xmlns:c="http://schemas.openxmlformats.org/drawingml/2006/chart" xmlns:mv="urn:schemas-microsoft-com:mac:vml" xmlns="">
       <p:transition spd="slow">
         <p:fade/>
       </p:transition>
@@ -10784,7 +10810,7 @@
         <p:fade/>
       </p:transition>
     </mc:Choice>
-    <mc:Fallback xmlns="" xmlns:mv="urn:schemas-microsoft-com:mac:vml" xmlns:c="http://schemas.openxmlformats.org/drawingml/2006/chart" xmlns:dgm="http://schemas.openxmlformats.org/drawingml/2006/diagram" xmlns:o="urn:schemas-microsoft-com:office:office" xmlns:v="urn:schemas-microsoft-com:vml" xmlns:pvml="urn:schemas-microsoft-com:office:powerpoint" xmlns:com="http://schemas.openxmlformats.org/drawingml/2006/compatibility" xmlns:p15="http://schemas.microsoft.com/office/powerpoint/2012/main">
+    <mc:Fallback xmlns:p15="http://schemas.microsoft.com/office/powerpoint/2012/main" xmlns:com="http://schemas.openxmlformats.org/drawingml/2006/compatibility" xmlns:pvml="urn:schemas-microsoft-com:office:powerpoint" xmlns:v="urn:schemas-microsoft-com:vml" xmlns:o="urn:schemas-microsoft-com:office:office" xmlns:dgm="http://schemas.openxmlformats.org/drawingml/2006/diagram" xmlns:c="http://schemas.openxmlformats.org/drawingml/2006/chart" xmlns:mv="urn:schemas-microsoft-com:mac:vml" xmlns="">
       <p:transition spd="slow">
         <p:fade/>
       </p:transition>
@@ -11083,7 +11109,7 @@
         <p:fade/>
       </p:transition>
     </mc:Choice>
-    <mc:Fallback xmlns="" xmlns:mv="urn:schemas-microsoft-com:mac:vml" xmlns:c="http://schemas.openxmlformats.org/drawingml/2006/chart" xmlns:dgm="http://schemas.openxmlformats.org/drawingml/2006/diagram" xmlns:o="urn:schemas-microsoft-com:office:office" xmlns:v="urn:schemas-microsoft-com:vml" xmlns:pvml="urn:schemas-microsoft-com:office:powerpoint" xmlns:com="http://schemas.openxmlformats.org/drawingml/2006/compatibility" xmlns:p15="http://schemas.microsoft.com/office/powerpoint/2012/main">
+    <mc:Fallback xmlns:p15="http://schemas.microsoft.com/office/powerpoint/2012/main" xmlns:com="http://schemas.openxmlformats.org/drawingml/2006/compatibility" xmlns:pvml="urn:schemas-microsoft-com:office:powerpoint" xmlns:v="urn:schemas-microsoft-com:vml" xmlns:o="urn:schemas-microsoft-com:office:office" xmlns:dgm="http://schemas.openxmlformats.org/drawingml/2006/diagram" xmlns:c="http://schemas.openxmlformats.org/drawingml/2006/chart" xmlns:mv="urn:schemas-microsoft-com:mac:vml" xmlns="">
       <p:transition spd="slow">
         <p:fade/>
       </p:transition>
@@ -11494,7 +11520,7 @@
         <p:fade/>
       </p:transition>
     </mc:Choice>
-    <mc:Fallback xmlns="" xmlns:mv="urn:schemas-microsoft-com:mac:vml" xmlns:c="http://schemas.openxmlformats.org/drawingml/2006/chart" xmlns:dgm="http://schemas.openxmlformats.org/drawingml/2006/diagram" xmlns:o="urn:schemas-microsoft-com:office:office" xmlns:v="urn:schemas-microsoft-com:vml" xmlns:pvml="urn:schemas-microsoft-com:office:powerpoint" xmlns:com="http://schemas.openxmlformats.org/drawingml/2006/compatibility" xmlns:p15="http://schemas.microsoft.com/office/powerpoint/2012/main">
+    <mc:Fallback xmlns:p15="http://schemas.microsoft.com/office/powerpoint/2012/main" xmlns:com="http://schemas.openxmlformats.org/drawingml/2006/compatibility" xmlns:pvml="urn:schemas-microsoft-com:office:powerpoint" xmlns:v="urn:schemas-microsoft-com:vml" xmlns:o="urn:schemas-microsoft-com:office:office" xmlns:dgm="http://schemas.openxmlformats.org/drawingml/2006/diagram" xmlns:c="http://schemas.openxmlformats.org/drawingml/2006/chart" xmlns:mv="urn:schemas-microsoft-com:mac:vml" xmlns="">
       <p:transition spd="slow">
         <p:fade/>
       </p:transition>
@@ -11732,7 +11758,7 @@
         <p:fade/>
       </p:transition>
     </mc:Choice>
-    <mc:Fallback xmlns="" xmlns:mv="urn:schemas-microsoft-com:mac:vml" xmlns:c="http://schemas.openxmlformats.org/drawingml/2006/chart" xmlns:dgm="http://schemas.openxmlformats.org/drawingml/2006/diagram" xmlns:o="urn:schemas-microsoft-com:office:office" xmlns:v="urn:schemas-microsoft-com:vml" xmlns:pvml="urn:schemas-microsoft-com:office:powerpoint" xmlns:com="http://schemas.openxmlformats.org/drawingml/2006/compatibility" xmlns:p15="http://schemas.microsoft.com/office/powerpoint/2012/main">
+    <mc:Fallback xmlns:p15="http://schemas.microsoft.com/office/powerpoint/2012/main" xmlns:com="http://schemas.openxmlformats.org/drawingml/2006/compatibility" xmlns:pvml="urn:schemas-microsoft-com:office:powerpoint" xmlns:v="urn:schemas-microsoft-com:vml" xmlns:o="urn:schemas-microsoft-com:office:office" xmlns:dgm="http://schemas.openxmlformats.org/drawingml/2006/diagram" xmlns:c="http://schemas.openxmlformats.org/drawingml/2006/chart" xmlns:mv="urn:schemas-microsoft-com:mac:vml" xmlns="">
       <p:transition spd="slow">
         <p:fade/>
       </p:transition>
@@ -13017,7 +13043,7 @@
         <p:fade/>
       </p:transition>
     </mc:Choice>
-    <mc:Fallback xmlns="" xmlns:mv="urn:schemas-microsoft-com:mac:vml" xmlns:c="http://schemas.openxmlformats.org/drawingml/2006/chart" xmlns:dgm="http://schemas.openxmlformats.org/drawingml/2006/diagram" xmlns:o="urn:schemas-microsoft-com:office:office" xmlns:v="urn:schemas-microsoft-com:vml" xmlns:pvml="urn:schemas-microsoft-com:office:powerpoint" xmlns:com="http://schemas.openxmlformats.org/drawingml/2006/compatibility" xmlns:p15="http://schemas.microsoft.com/office/powerpoint/2012/main">
+    <mc:Fallback xmlns:p15="http://schemas.microsoft.com/office/powerpoint/2012/main" xmlns:com="http://schemas.openxmlformats.org/drawingml/2006/compatibility" xmlns:pvml="urn:schemas-microsoft-com:office:powerpoint" xmlns:v="urn:schemas-microsoft-com:vml" xmlns:o="urn:schemas-microsoft-com:office:office" xmlns:dgm="http://schemas.openxmlformats.org/drawingml/2006/diagram" xmlns:c="http://schemas.openxmlformats.org/drawingml/2006/chart" xmlns:mv="urn:schemas-microsoft-com:mac:vml" xmlns="">
       <p:transition spd="slow">
         <p:fade/>
       </p:transition>
@@ -13249,7 +13275,7 @@
         <p:fade/>
       </p:transition>
     </mc:Choice>
-    <mc:Fallback xmlns="" xmlns:mv="urn:schemas-microsoft-com:mac:vml" xmlns:c="http://schemas.openxmlformats.org/drawingml/2006/chart" xmlns:dgm="http://schemas.openxmlformats.org/drawingml/2006/diagram" xmlns:o="urn:schemas-microsoft-com:office:office" xmlns:v="urn:schemas-microsoft-com:vml" xmlns:pvml="urn:schemas-microsoft-com:office:powerpoint" xmlns:com="http://schemas.openxmlformats.org/drawingml/2006/compatibility" xmlns:p15="http://schemas.microsoft.com/office/powerpoint/2012/main">
+    <mc:Fallback xmlns:p15="http://schemas.microsoft.com/office/powerpoint/2012/main" xmlns:com="http://schemas.openxmlformats.org/drawingml/2006/compatibility" xmlns:pvml="urn:schemas-microsoft-com:office:powerpoint" xmlns:v="urn:schemas-microsoft-com:vml" xmlns:o="urn:schemas-microsoft-com:office:office" xmlns:dgm="http://schemas.openxmlformats.org/drawingml/2006/diagram" xmlns:c="http://schemas.openxmlformats.org/drawingml/2006/chart" xmlns:mv="urn:schemas-microsoft-com:mac:vml" xmlns="">
       <p:transition spd="slow">
         <p:fade/>
       </p:transition>
